--- a/CARTA.PLASTICA.pptx
+++ b/CARTA.PLASTICA.pptx
@@ -5,21 +5,27 @@
     <p:sldMasterId id="2147483648" r:id="rId1"/>
   </p:sldMasterIdLst>
   <p:notesMasterIdLst>
-    <p:notesMasterId r:id="rId14"/>
+    <p:notesMasterId r:id="rId20"/>
   </p:notesMasterIdLst>
   <p:sldIdLst>
     <p:sldId id="256" r:id="rId2"/>
-    <p:sldId id="257" r:id="rId3"/>
-    <p:sldId id="267" r:id="rId4"/>
-    <p:sldId id="258" r:id="rId5"/>
-    <p:sldId id="259" r:id="rId6"/>
-    <p:sldId id="260" r:id="rId7"/>
-    <p:sldId id="261" r:id="rId8"/>
-    <p:sldId id="262" r:id="rId9"/>
-    <p:sldId id="263" r:id="rId10"/>
-    <p:sldId id="264" r:id="rId11"/>
-    <p:sldId id="265" r:id="rId12"/>
-    <p:sldId id="266" r:id="rId13"/>
+    <p:sldId id="268" r:id="rId3"/>
+    <p:sldId id="269" r:id="rId4"/>
+    <p:sldId id="270" r:id="rId5"/>
+    <p:sldId id="257" r:id="rId6"/>
+    <p:sldId id="267" r:id="rId7"/>
+    <p:sldId id="258" r:id="rId8"/>
+    <p:sldId id="271" r:id="rId9"/>
+    <p:sldId id="272" r:id="rId10"/>
+    <p:sldId id="259" r:id="rId11"/>
+    <p:sldId id="260" r:id="rId12"/>
+    <p:sldId id="261" r:id="rId13"/>
+    <p:sldId id="262" r:id="rId14"/>
+    <p:sldId id="263" r:id="rId15"/>
+    <p:sldId id="264" r:id="rId16"/>
+    <p:sldId id="265" r:id="rId17"/>
+    <p:sldId id="273" r:id="rId18"/>
+    <p:sldId id="266" r:id="rId19"/>
   </p:sldIdLst>
   <p:sldSz cx="13004800" cy="9753600"/>
   <p:notesSz cx="6858000" cy="9144000"/>
@@ -375,6 +381,11 @@
       </a:defRPr>
     </a:lvl9pPr>
   </p:defaultTextStyle>
+  <p:extLst>
+    <p:ext uri="{EFAFB233-063F-42B5-8137-9DF3F51BA10A}">
+      <p15:sldGuideLst xmlns:p15="http://schemas.microsoft.com/office/powerpoint/2012/main"/>
+    </p:ext>
+  </p:extLst>
 </p:presentation>
 </file>
 
@@ -801,146 +812,6 @@
 
 <file path=ppt/slideLayouts/slideLayout10.xml><?xml version="1.0" encoding="utf-8"?>
 <p:sldLayout xmlns:a="http://schemas.openxmlformats.org/drawingml/2006/main" xmlns:r="http://schemas.openxmlformats.org/officeDocument/2006/relationships" xmlns:p="http://schemas.openxmlformats.org/presentationml/2006/main" type="tx">
-  <p:cSld name="Cita">
-    <p:spTree>
-      <p:nvGrpSpPr>
-        <p:cNvPr id="1" name=""/>
-        <p:cNvGrpSpPr/>
-        <p:nvPr/>
-      </p:nvGrpSpPr>
-      <p:grpSpPr>
-        <a:xfrm>
-          <a:off x="0" y="0"/>
-          <a:ext cx="0" cy="0"/>
-          <a:chOff x="0" y="0"/>
-          <a:chExt cx="0" cy="0"/>
-        </a:xfrm>
-      </p:grpSpPr>
-      <p:sp>
-        <p:nvSpPr>
-          <p:cNvPr id="95" name="Shape 95"/>
-          <p:cNvSpPr>
-            <a:spLocks noGrp="1"/>
-          </p:cNvSpPr>
-          <p:nvPr>
-            <p:ph type="body" sz="quarter" idx="13"/>
-          </p:nvPr>
-        </p:nvSpPr>
-        <p:spPr>
-          <a:xfrm>
-            <a:off x="1270000" y="6362700"/>
-            <a:ext cx="10464800" cy="660400"/>
-          </a:xfrm>
-          <a:prstGeom prst="rect">
-            <a:avLst/>
-          </a:prstGeom>
-        </p:spPr>
-        <p:txBody>
-          <a:bodyPr>
-            <a:spAutoFit/>
-          </a:bodyPr>
-          <a:lstStyle>
-            <a:lvl1pPr marL="0" indent="0" algn="ctr">
-              <a:lnSpc>
-                <a:spcPct val="90000"/>
-              </a:lnSpc>
-              <a:spcBef>
-                <a:spcPts val="1200"/>
-              </a:spcBef>
-              <a:buSzTx/>
-              <a:buNone/>
-              <a:defRPr sz="3200" i="1"/>
-            </a:lvl1pPr>
-          </a:lstStyle>
-          <a:p>
-            <a:r>
-              <a:t>– Juan López</a:t>
-            </a:r>
-          </a:p>
-        </p:txBody>
-      </p:sp>
-      <p:sp>
-        <p:nvSpPr>
-          <p:cNvPr id="96" name="Shape 96"/>
-          <p:cNvSpPr>
-            <a:spLocks noGrp="1"/>
-          </p:cNvSpPr>
-          <p:nvPr>
-            <p:ph type="body" sz="quarter" idx="14"/>
-          </p:nvPr>
-        </p:nvSpPr>
-        <p:spPr>
-          <a:xfrm>
-            <a:off x="1270000" y="4248150"/>
-            <a:ext cx="10464800" cy="723900"/>
-          </a:xfrm>
-          <a:prstGeom prst="rect">
-            <a:avLst/>
-          </a:prstGeom>
-        </p:spPr>
-        <p:txBody>
-          <a:bodyPr>
-            <a:spAutoFit/>
-          </a:bodyPr>
-          <a:lstStyle>
-            <a:lvl1pPr marL="0" indent="0" algn="ctr">
-              <a:lnSpc>
-                <a:spcPct val="90000"/>
-              </a:lnSpc>
-              <a:buSzTx/>
-              <a:buNone/>
-              <a:defRPr>
-                <a:latin typeface="Avenir Next Demi Bold"/>
-                <a:ea typeface="Avenir Next Demi Bold"/>
-                <a:cs typeface="Avenir Next Demi Bold"/>
-                <a:sym typeface="Avenir Next Demi Bold"/>
-              </a:defRPr>
-            </a:lvl1pPr>
-          </a:lstStyle>
-          <a:p>
-            <a:r>
-              <a:t>“Escribir una cita aquí” </a:t>
-            </a:r>
-          </a:p>
-        </p:txBody>
-      </p:sp>
-      <p:sp>
-        <p:nvSpPr>
-          <p:cNvPr id="97" name="Shape 97"/>
-          <p:cNvSpPr>
-            <a:spLocks noGrp="1"/>
-          </p:cNvSpPr>
-          <p:nvPr>
-            <p:ph type="sldNum" sz="quarter" idx="2"/>
-          </p:nvPr>
-        </p:nvSpPr>
-        <p:spPr>
-          <a:prstGeom prst="rect">
-            <a:avLst/>
-          </a:prstGeom>
-        </p:spPr>
-        <p:txBody>
-          <a:bodyPr/>
-          <a:lstStyle/>
-          <a:p>
-            <a:fld id="{86CB4B4D-7CA3-9044-876B-883B54F8677D}" type="slidenum">
-              <a:t>‹Nº›</a:t>
-            </a:fld>
-            <a:endParaRPr/>
-          </a:p>
-        </p:txBody>
-      </p:sp>
-    </p:spTree>
-  </p:cSld>
-  <p:clrMapOvr>
-    <a:masterClrMapping/>
-  </p:clrMapOvr>
-  <p:transition spd="med"/>
-</p:sldLayout>
-</file>
-
-<file path=ppt/slideLayouts/slideLayout11.xml><?xml version="1.0" encoding="utf-8"?>
-<p:sldLayout xmlns:a="http://schemas.openxmlformats.org/drawingml/2006/main" xmlns:r="http://schemas.openxmlformats.org/officeDocument/2006/relationships" xmlns:p="http://schemas.openxmlformats.org/presentationml/2006/main" type="tx">
   <p:cSld name="Foto">
     <p:spTree>
       <p:nvGrpSpPr>
@@ -1020,7 +891,7 @@
 </p:sldLayout>
 </file>
 
-<file path=ppt/slideLayouts/slideLayout12.xml><?xml version="1.0" encoding="utf-8"?>
+<file path=ppt/slideLayouts/slideLayout11.xml><?xml version="1.0" encoding="utf-8"?>
 <p:sldLayout xmlns:a="http://schemas.openxmlformats.org/drawingml/2006/main" xmlns:r="http://schemas.openxmlformats.org/officeDocument/2006/relationships" xmlns:p="http://schemas.openxmlformats.org/presentationml/2006/main" type="tx">
   <p:cSld name="En blanco">
     <p:spTree>
@@ -1073,302 +944,6 @@
 </file>
 
 <file path=ppt/slideLayouts/slideLayout2.xml><?xml version="1.0" encoding="utf-8"?>
-<p:sldLayout xmlns:a="http://schemas.openxmlformats.org/drawingml/2006/main" xmlns:r="http://schemas.openxmlformats.org/officeDocument/2006/relationships" xmlns:p="http://schemas.openxmlformats.org/presentationml/2006/main" type="tx">
-  <p:cSld name="Foto (horizontal)">
-    <p:spTree>
-      <p:nvGrpSpPr>
-        <p:cNvPr id="1" name=""/>
-        <p:cNvGrpSpPr/>
-        <p:nvPr/>
-      </p:nvGrpSpPr>
-      <p:grpSpPr>
-        <a:xfrm>
-          <a:off x="0" y="0"/>
-          <a:ext cx="0" cy="0"/>
-          <a:chOff x="0" y="0"/>
-          <a:chExt cx="0" cy="0"/>
-        </a:xfrm>
-      </p:grpSpPr>
-      <p:pic>
-        <p:nvPicPr>
-          <p:cNvPr id="21" name="chalk_line_box_10x7.png"/>
-          <p:cNvPicPr>
-            <a:picLocks/>
-          </p:cNvPicPr>
-          <p:nvPr/>
-        </p:nvPicPr>
-        <p:blipFill>
-          <a:blip r:embed="rId2">
-            <a:alphaModFix amt="45000"/>
-            <a:extLst/>
-          </a:blip>
-          <a:stretch>
-            <a:fillRect/>
-          </a:stretch>
-        </p:blipFill>
-        <p:spPr>
-          <a:xfrm>
-            <a:off x="317500" y="6794500"/>
-            <a:ext cx="12344400" cy="2336800"/>
-          </a:xfrm>
-          <a:prstGeom prst="rect">
-            <a:avLst/>
-          </a:prstGeom>
-          <a:ln w="12700">
-            <a:miter lim="400000"/>
-          </a:ln>
-        </p:spPr>
-      </p:pic>
-      <p:sp>
-        <p:nvSpPr>
-          <p:cNvPr id="22" name="Shape 22"/>
-          <p:cNvSpPr>
-            <a:spLocks noGrp="1"/>
-          </p:cNvSpPr>
-          <p:nvPr>
-            <p:ph type="pic" idx="13"/>
-          </p:nvPr>
-        </p:nvSpPr>
-        <p:spPr>
-          <a:xfrm>
-            <a:off x="393700" y="381000"/>
-            <a:ext cx="12217400" cy="6146800"/>
-          </a:xfrm>
-          <a:prstGeom prst="rect">
-            <a:avLst/>
-          </a:prstGeom>
-          <a:ln w="9525">
-            <a:round/>
-          </a:ln>
-        </p:spPr>
-        <p:txBody>
-          <a:bodyPr lIns="91439" tIns="45719" rIns="91439" bIns="45719" anchor="t">
-            <a:noAutofit/>
-          </a:bodyPr>
-          <a:lstStyle/>
-          <a:p>
-            <a:endParaRPr/>
-          </a:p>
-        </p:txBody>
-      </p:sp>
-      <p:sp>
-        <p:nvSpPr>
-          <p:cNvPr id="23" name="Shape 23"/>
-          <p:cNvSpPr>
-            <a:spLocks noGrp="1"/>
-          </p:cNvSpPr>
-          <p:nvPr>
-            <p:ph type="title"/>
-          </p:nvPr>
-        </p:nvSpPr>
-        <p:spPr>
-          <a:xfrm>
-            <a:off x="901700" y="6934200"/>
-            <a:ext cx="11201400" cy="952500"/>
-          </a:xfrm>
-          <a:prstGeom prst="rect">
-            <a:avLst/>
-          </a:prstGeom>
-        </p:spPr>
-        <p:txBody>
-          <a:bodyPr anchor="b"/>
-          <a:lstStyle/>
-          <a:p>
-            <a:r>
-              <a:t>Texto del título</a:t>
-            </a:r>
-          </a:p>
-        </p:txBody>
-      </p:sp>
-      <p:sp>
-        <p:nvSpPr>
-          <p:cNvPr id="24" name="Shape 24"/>
-          <p:cNvSpPr>
-            <a:spLocks noGrp="1"/>
-          </p:cNvSpPr>
-          <p:nvPr>
-            <p:ph type="body" sz="quarter" idx="1"/>
-          </p:nvPr>
-        </p:nvSpPr>
-        <p:spPr>
-          <a:xfrm>
-            <a:off x="901700" y="7823200"/>
-            <a:ext cx="11201400" cy="1206500"/>
-          </a:xfrm>
-          <a:prstGeom prst="rect">
-            <a:avLst/>
-          </a:prstGeom>
-        </p:spPr>
-        <p:txBody>
-          <a:bodyPr anchor="t"/>
-          <a:lstStyle>
-            <a:lvl1pPr marL="0" indent="0">
-              <a:lnSpc>
-                <a:spcPct val="80000"/>
-              </a:lnSpc>
-              <a:spcBef>
-                <a:spcPts val="0"/>
-              </a:spcBef>
-              <a:buSzTx/>
-              <a:buNone/>
-              <a:defRPr cap="all" spc="288">
-                <a:solidFill>
-                  <a:srgbClr val="3E3B39"/>
-                </a:solidFill>
-                <a:latin typeface="+mn-lt"/>
-                <a:ea typeface="+mn-ea"/>
-                <a:cs typeface="+mn-cs"/>
-                <a:sym typeface="Avenir Next"/>
-              </a:defRPr>
-            </a:lvl1pPr>
-            <a:lvl2pPr marL="0" indent="228600">
-              <a:lnSpc>
-                <a:spcPct val="80000"/>
-              </a:lnSpc>
-              <a:spcBef>
-                <a:spcPts val="0"/>
-              </a:spcBef>
-              <a:buSzTx/>
-              <a:buNone/>
-              <a:defRPr cap="all" spc="288">
-                <a:solidFill>
-                  <a:srgbClr val="3E3B39"/>
-                </a:solidFill>
-                <a:latin typeface="+mn-lt"/>
-                <a:ea typeface="+mn-ea"/>
-                <a:cs typeface="+mn-cs"/>
-                <a:sym typeface="Avenir Next"/>
-              </a:defRPr>
-            </a:lvl2pPr>
-            <a:lvl3pPr marL="0" indent="457200">
-              <a:lnSpc>
-                <a:spcPct val="80000"/>
-              </a:lnSpc>
-              <a:spcBef>
-                <a:spcPts val="0"/>
-              </a:spcBef>
-              <a:buSzTx/>
-              <a:buNone/>
-              <a:defRPr cap="all" spc="288">
-                <a:solidFill>
-                  <a:srgbClr val="3E3B39"/>
-                </a:solidFill>
-                <a:latin typeface="+mn-lt"/>
-                <a:ea typeface="+mn-ea"/>
-                <a:cs typeface="+mn-cs"/>
-                <a:sym typeface="Avenir Next"/>
-              </a:defRPr>
-            </a:lvl3pPr>
-            <a:lvl4pPr marL="0" indent="685800">
-              <a:lnSpc>
-                <a:spcPct val="80000"/>
-              </a:lnSpc>
-              <a:spcBef>
-                <a:spcPts val="0"/>
-              </a:spcBef>
-              <a:buSzTx/>
-              <a:buNone/>
-              <a:defRPr cap="all" spc="288">
-                <a:solidFill>
-                  <a:srgbClr val="3E3B39"/>
-                </a:solidFill>
-                <a:latin typeface="+mn-lt"/>
-                <a:ea typeface="+mn-ea"/>
-                <a:cs typeface="+mn-cs"/>
-                <a:sym typeface="Avenir Next"/>
-              </a:defRPr>
-            </a:lvl4pPr>
-            <a:lvl5pPr marL="0" indent="914400">
-              <a:lnSpc>
-                <a:spcPct val="80000"/>
-              </a:lnSpc>
-              <a:spcBef>
-                <a:spcPts val="0"/>
-              </a:spcBef>
-              <a:buSzTx/>
-              <a:buNone/>
-              <a:defRPr cap="all" spc="288">
-                <a:solidFill>
-                  <a:srgbClr val="3E3B39"/>
-                </a:solidFill>
-                <a:latin typeface="+mn-lt"/>
-                <a:ea typeface="+mn-ea"/>
-                <a:cs typeface="+mn-cs"/>
-                <a:sym typeface="Avenir Next"/>
-              </a:defRPr>
-            </a:lvl5pPr>
-          </a:lstStyle>
-          <a:p>
-            <a:r>
-              <a:t>Nivel de texto 1</a:t>
-            </a:r>
-          </a:p>
-          <a:p>
-            <a:pPr lvl="1"/>
-            <a:r>
-              <a:t>Nivel de texto 2</a:t>
-            </a:r>
-          </a:p>
-          <a:p>
-            <a:pPr lvl="2"/>
-            <a:r>
-              <a:t>Nivel de texto 3</a:t>
-            </a:r>
-          </a:p>
-          <a:p>
-            <a:pPr lvl="3"/>
-            <a:r>
-              <a:t>Nivel de texto 4</a:t>
-            </a:r>
-          </a:p>
-          <a:p>
-            <a:pPr lvl="4"/>
-            <a:r>
-              <a:t>Nivel de texto 5</a:t>
-            </a:r>
-          </a:p>
-        </p:txBody>
-      </p:sp>
-      <p:sp>
-        <p:nvSpPr>
-          <p:cNvPr id="25" name="Shape 25"/>
-          <p:cNvSpPr>
-            <a:spLocks noGrp="1"/>
-          </p:cNvSpPr>
-          <p:nvPr>
-            <p:ph type="sldNum" sz="quarter" idx="2"/>
-          </p:nvPr>
-        </p:nvSpPr>
-        <p:spPr>
-          <a:xfrm>
-            <a:off x="6303924" y="9258300"/>
-            <a:ext cx="409652" cy="419100"/>
-          </a:xfrm>
-          <a:prstGeom prst="rect">
-            <a:avLst/>
-          </a:prstGeom>
-        </p:spPr>
-        <p:txBody>
-          <a:bodyPr/>
-          <a:lstStyle/>
-          <a:p>
-            <a:fld id="{86CB4B4D-7CA3-9044-876B-883B54F8677D}" type="slidenum">
-              <a:t>‹Nº›</a:t>
-            </a:fld>
-            <a:endParaRPr/>
-          </a:p>
-        </p:txBody>
-      </p:sp>
-    </p:spTree>
-  </p:cSld>
-  <p:clrMapOvr>
-    <a:masterClrMapping/>
-  </p:clrMapOvr>
-  <p:transition spd="med"/>
-</p:sldLayout>
-</file>
-
-<file path=ppt/slideLayouts/slideLayout3.xml><?xml version="1.0" encoding="utf-8"?>
 <p:sldLayout xmlns:a="http://schemas.openxmlformats.org/drawingml/2006/main" xmlns:r="http://schemas.openxmlformats.org/officeDocument/2006/relationships" xmlns:p="http://schemas.openxmlformats.org/presentationml/2006/main" type="tx">
   <p:cSld name="Título (centro)">
     <p:spTree>
@@ -1449,7 +1024,7 @@
 </p:sldLayout>
 </file>
 
-<file path=ppt/slideLayouts/slideLayout4.xml><?xml version="1.0" encoding="utf-8"?>
+<file path=ppt/slideLayouts/slideLayout3.xml><?xml version="1.0" encoding="utf-8"?>
 <p:sldLayout xmlns:a="http://schemas.openxmlformats.org/drawingml/2006/main" xmlns:r="http://schemas.openxmlformats.org/officeDocument/2006/relationships" xmlns:p="http://schemas.openxmlformats.org/presentationml/2006/main" type="tx">
   <p:cSld name="Foto (vertical)">
     <p:spTree>
@@ -1715,7 +1290,7 @@
 </p:sldLayout>
 </file>
 
-<file path=ppt/slideLayouts/slideLayout5.xml><?xml version="1.0" encoding="utf-8"?>
+<file path=ppt/slideLayouts/slideLayout4.xml><?xml version="1.0" encoding="utf-8"?>
 <p:sldLayout xmlns:a="http://schemas.openxmlformats.org/drawingml/2006/main" xmlns:r="http://schemas.openxmlformats.org/officeDocument/2006/relationships" xmlns:p="http://schemas.openxmlformats.org/presentationml/2006/main" type="tx">
   <p:cSld name="Título (arriba)">
     <p:spTree>
@@ -1792,7 +1367,7 @@
 </p:sldLayout>
 </file>
 
-<file path=ppt/slideLayouts/slideLayout6.xml><?xml version="1.0" encoding="utf-8"?>
+<file path=ppt/slideLayouts/slideLayout5.xml><?xml version="1.0" encoding="utf-8"?>
 <p:sldLayout xmlns:a="http://schemas.openxmlformats.org/drawingml/2006/main" xmlns:r="http://schemas.openxmlformats.org/officeDocument/2006/relationships" xmlns:p="http://schemas.openxmlformats.org/presentationml/2006/main" type="tx">
   <p:cSld name="Título y viñetas">
     <p:spTree>
@@ -1918,7 +1493,7 @@
 </p:sldLayout>
 </file>
 
-<file path=ppt/slideLayouts/slideLayout7.xml><?xml version="1.0" encoding="utf-8"?>
+<file path=ppt/slideLayouts/slideLayout6.xml><?xml version="1.0" encoding="utf-8"?>
 <p:sldLayout xmlns:a="http://schemas.openxmlformats.org/drawingml/2006/main" xmlns:r="http://schemas.openxmlformats.org/officeDocument/2006/relationships" xmlns:p="http://schemas.openxmlformats.org/presentationml/2006/main" type="tx">
   <p:cSld name="Título, viñetas y foto">
     <p:spTree>
@@ -2126,7 +1701,7 @@
 </p:sldLayout>
 </file>
 
-<file path=ppt/slideLayouts/slideLayout8.xml><?xml version="1.0" encoding="utf-8"?>
+<file path=ppt/slideLayouts/slideLayout7.xml><?xml version="1.0" encoding="utf-8"?>
 <p:sldLayout xmlns:a="http://schemas.openxmlformats.org/drawingml/2006/main" xmlns:r="http://schemas.openxmlformats.org/officeDocument/2006/relationships" xmlns:p="http://schemas.openxmlformats.org/presentationml/2006/main" type="tx">
   <p:cSld name="Viñetas">
     <p:spTree>
@@ -2231,7 +1806,7 @@
 </p:sldLayout>
 </file>
 
-<file path=ppt/slideLayouts/slideLayout9.xml><?xml version="1.0" encoding="utf-8"?>
+<file path=ppt/slideLayouts/slideLayout8.xml><?xml version="1.0" encoding="utf-8"?>
 <p:sldLayout xmlns:a="http://schemas.openxmlformats.org/drawingml/2006/main" xmlns:r="http://schemas.openxmlformats.org/officeDocument/2006/relationships" xmlns:p="http://schemas.openxmlformats.org/presentationml/2006/main" type="tx">
   <p:cSld name="3 fotos">
     <p:spTree>
@@ -2379,13 +1954,153 @@
 </p:sldLayout>
 </file>
 
+<file path=ppt/slideLayouts/slideLayout9.xml><?xml version="1.0" encoding="utf-8"?>
+<p:sldLayout xmlns:a="http://schemas.openxmlformats.org/drawingml/2006/main" xmlns:r="http://schemas.openxmlformats.org/officeDocument/2006/relationships" xmlns:p="http://schemas.openxmlformats.org/presentationml/2006/main" type="tx">
+  <p:cSld name="Cita">
+    <p:spTree>
+      <p:nvGrpSpPr>
+        <p:cNvPr id="1" name=""/>
+        <p:cNvGrpSpPr/>
+        <p:nvPr/>
+      </p:nvGrpSpPr>
+      <p:grpSpPr>
+        <a:xfrm>
+          <a:off x="0" y="0"/>
+          <a:ext cx="0" cy="0"/>
+          <a:chOff x="0" y="0"/>
+          <a:chExt cx="0" cy="0"/>
+        </a:xfrm>
+      </p:grpSpPr>
+      <p:sp>
+        <p:nvSpPr>
+          <p:cNvPr id="95" name="Shape 95"/>
+          <p:cNvSpPr>
+            <a:spLocks noGrp="1"/>
+          </p:cNvSpPr>
+          <p:nvPr>
+            <p:ph type="body" sz="quarter" idx="13"/>
+          </p:nvPr>
+        </p:nvSpPr>
+        <p:spPr>
+          <a:xfrm>
+            <a:off x="1270000" y="6362700"/>
+            <a:ext cx="10464800" cy="660400"/>
+          </a:xfrm>
+          <a:prstGeom prst="rect">
+            <a:avLst/>
+          </a:prstGeom>
+        </p:spPr>
+        <p:txBody>
+          <a:bodyPr>
+            <a:spAutoFit/>
+          </a:bodyPr>
+          <a:lstStyle>
+            <a:lvl1pPr marL="0" indent="0" algn="ctr">
+              <a:lnSpc>
+                <a:spcPct val="90000"/>
+              </a:lnSpc>
+              <a:spcBef>
+                <a:spcPts val="1200"/>
+              </a:spcBef>
+              <a:buSzTx/>
+              <a:buNone/>
+              <a:defRPr sz="3200" i="1"/>
+            </a:lvl1pPr>
+          </a:lstStyle>
+          <a:p>
+            <a:r>
+              <a:t>– Juan López</a:t>
+            </a:r>
+          </a:p>
+        </p:txBody>
+      </p:sp>
+      <p:sp>
+        <p:nvSpPr>
+          <p:cNvPr id="96" name="Shape 96"/>
+          <p:cNvSpPr>
+            <a:spLocks noGrp="1"/>
+          </p:cNvSpPr>
+          <p:nvPr>
+            <p:ph type="body" sz="quarter" idx="14"/>
+          </p:nvPr>
+        </p:nvSpPr>
+        <p:spPr>
+          <a:xfrm>
+            <a:off x="1270000" y="4248150"/>
+            <a:ext cx="10464800" cy="723900"/>
+          </a:xfrm>
+          <a:prstGeom prst="rect">
+            <a:avLst/>
+          </a:prstGeom>
+        </p:spPr>
+        <p:txBody>
+          <a:bodyPr>
+            <a:spAutoFit/>
+          </a:bodyPr>
+          <a:lstStyle>
+            <a:lvl1pPr marL="0" indent="0" algn="ctr">
+              <a:lnSpc>
+                <a:spcPct val="90000"/>
+              </a:lnSpc>
+              <a:buSzTx/>
+              <a:buNone/>
+              <a:defRPr>
+                <a:latin typeface="Avenir Next Demi Bold"/>
+                <a:ea typeface="Avenir Next Demi Bold"/>
+                <a:cs typeface="Avenir Next Demi Bold"/>
+                <a:sym typeface="Avenir Next Demi Bold"/>
+              </a:defRPr>
+            </a:lvl1pPr>
+          </a:lstStyle>
+          <a:p>
+            <a:r>
+              <a:t>“Escribir una cita aquí” </a:t>
+            </a:r>
+          </a:p>
+        </p:txBody>
+      </p:sp>
+      <p:sp>
+        <p:nvSpPr>
+          <p:cNvPr id="97" name="Shape 97"/>
+          <p:cNvSpPr>
+            <a:spLocks noGrp="1"/>
+          </p:cNvSpPr>
+          <p:nvPr>
+            <p:ph type="sldNum" sz="quarter" idx="2"/>
+          </p:nvPr>
+        </p:nvSpPr>
+        <p:spPr>
+          <a:prstGeom prst="rect">
+            <a:avLst/>
+          </a:prstGeom>
+        </p:spPr>
+        <p:txBody>
+          <a:bodyPr/>
+          <a:lstStyle/>
+          <a:p>
+            <a:fld id="{86CB4B4D-7CA3-9044-876B-883B54F8677D}" type="slidenum">
+              <a:t>‹Nº›</a:t>
+            </a:fld>
+            <a:endParaRPr/>
+          </a:p>
+        </p:txBody>
+      </p:sp>
+    </p:spTree>
+  </p:cSld>
+  <p:clrMapOvr>
+    <a:masterClrMapping/>
+  </p:clrMapOvr>
+  <p:transition spd="med"/>
+</p:sldLayout>
+</file>
+
 <file path=ppt/slideMasters/slideMaster1.xml><?xml version="1.0" encoding="utf-8"?>
 <p:sldMaster xmlns:a="http://schemas.openxmlformats.org/drawingml/2006/main" xmlns:r="http://schemas.openxmlformats.org/officeDocument/2006/relationships" xmlns:p="http://schemas.openxmlformats.org/presentationml/2006/main">
   <p:cSld>
     <p:bg>
       <p:bgPr>
         <a:blipFill dpi="0" rotWithShape="1">
-          <a:blip r:embed="rId14"/>
+          <a:blip r:embed="rId13"/>
           <a:srcRect/>
           <a:tile tx="0" ty="0" sx="100000" sy="100000" flip="none" algn="tl"/>
         </a:blipFill>
@@ -2415,7 +2130,7 @@
           <p:nvPr/>
         </p:nvPicPr>
         <p:blipFill>
-          <a:blip r:embed="rId15">
+          <a:blip r:embed="rId14">
             <a:alphaModFix amt="45000"/>
             <a:extLst/>
           </a:blip>
@@ -2459,7 +2174,7 @@
           </a:ln>
           <a:extLst>
             <a:ext uri="{C572A759-6A51-4108-AA02-DFA0A04FC94B}">
-              <ma14:wrappingTextBoxFlag xmlns:ma14="http://schemas.microsoft.com/office/mac/drawingml/2011/main" xmlns="" val="1"/>
+              <ma14:wrappingTextBoxFlag xmlns="" xmlns:ma14="http://schemas.microsoft.com/office/mac/drawingml/2011/main" val="1"/>
             </a:ext>
           </a:extLst>
         </p:spPr>
@@ -2498,7 +2213,7 @@
           </a:ln>
           <a:extLst>
             <a:ext uri="{C572A759-6A51-4108-AA02-DFA0A04FC94B}">
-              <ma14:wrappingTextBoxFlag xmlns:ma14="http://schemas.microsoft.com/office/mac/drawingml/2011/main" xmlns="" val="1"/>
+              <ma14:wrappingTextBoxFlag xmlns="" xmlns:ma14="http://schemas.microsoft.com/office/mac/drawingml/2011/main" val="1"/>
             </a:ext>
           </a:extLst>
         </p:spPr>
@@ -2587,17 +2302,16 @@
   <p:clrMap bg1="lt1" tx1="dk1" bg2="lt2" tx2="dk2" accent1="accent1" accent2="accent2" accent3="accent3" accent4="accent4" accent5="accent5" accent6="accent6" hlink="hlink" folHlink="folHlink"/>
   <p:sldLayoutIdLst>
     <p:sldLayoutId id="2147483649" r:id="rId1"/>
-    <p:sldLayoutId id="2147483650" r:id="rId2"/>
-    <p:sldLayoutId id="2147483651" r:id="rId3"/>
-    <p:sldLayoutId id="2147483652" r:id="rId4"/>
-    <p:sldLayoutId id="2147483653" r:id="rId5"/>
-    <p:sldLayoutId id="2147483654" r:id="rId6"/>
-    <p:sldLayoutId id="2147483655" r:id="rId7"/>
-    <p:sldLayoutId id="2147483656" r:id="rId8"/>
-    <p:sldLayoutId id="2147483657" r:id="rId9"/>
-    <p:sldLayoutId id="2147483658" r:id="rId10"/>
-    <p:sldLayoutId id="2147483659" r:id="rId11"/>
-    <p:sldLayoutId id="2147483660" r:id="rId12"/>
+    <p:sldLayoutId id="2147483651" r:id="rId2"/>
+    <p:sldLayoutId id="2147483652" r:id="rId3"/>
+    <p:sldLayoutId id="2147483653" r:id="rId4"/>
+    <p:sldLayoutId id="2147483654" r:id="rId5"/>
+    <p:sldLayoutId id="2147483655" r:id="rId6"/>
+    <p:sldLayoutId id="2147483656" r:id="rId7"/>
+    <p:sldLayoutId id="2147483657" r:id="rId8"/>
+    <p:sldLayoutId id="2147483658" r:id="rId9"/>
+    <p:sldLayoutId id="2147483659" r:id="rId10"/>
+    <p:sldLayoutId id="2147483660" r:id="rId11"/>
   </p:sldLayoutIdLst>
   <p:transition spd="med"/>
   <p:txStyles>
@@ -3656,6 +3370,10 @@
           </p:nvPr>
         </p:nvSpPr>
         <p:spPr>
+          <a:xfrm>
+            <a:off x="901700" y="5311913"/>
+            <a:ext cx="11201400" cy="1536700"/>
+          </a:xfrm>
           <a:prstGeom prst="rect">
             <a:avLst/>
           </a:prstGeom>
@@ -3773,6 +3491,998 @@
 </file>
 
 <file path=ppt/slides/slide10.xml><?xml version="1.0" encoding="utf-8"?>
+<p:sld xmlns:a="http://schemas.openxmlformats.org/drawingml/2006/main" xmlns:r="http://schemas.openxmlformats.org/officeDocument/2006/relationships" xmlns:p="http://schemas.openxmlformats.org/presentationml/2006/main">
+  <p:cSld>
+    <p:spTree>
+      <p:nvGrpSpPr>
+        <p:cNvPr id="1" name=""/>
+        <p:cNvGrpSpPr/>
+        <p:nvPr/>
+      </p:nvGrpSpPr>
+      <p:grpSpPr>
+        <a:xfrm>
+          <a:off x="0" y="0"/>
+          <a:ext cx="0" cy="0"/>
+          <a:chOff x="0" y="0"/>
+          <a:chExt cx="0" cy="0"/>
+        </a:xfrm>
+      </p:grpSpPr>
+      <p:sp>
+        <p:nvSpPr>
+          <p:cNvPr id="132" name="Shape 132"/>
+          <p:cNvSpPr>
+            <a:spLocks noGrp="1"/>
+          </p:cNvSpPr>
+          <p:nvPr>
+            <p:ph type="title"/>
+          </p:nvPr>
+        </p:nvSpPr>
+        <p:spPr>
+          <a:xfrm>
+            <a:off x="1721039" y="635000"/>
+            <a:ext cx="11201400" cy="1714500"/>
+          </a:xfrm>
+          <a:prstGeom prst="rect">
+            <a:avLst/>
+          </a:prstGeom>
+        </p:spPr>
+        <p:txBody>
+          <a:bodyPr>
+            <a:normAutofit/>
+          </a:bodyPr>
+          <a:lstStyle/>
+          <a:p>
+            <a:r>
+              <a:rPr sz="5400" dirty="0"/>
+              <a:t>CLASIFICADOR LIMO-ARCILLAS</a:t>
+            </a:r>
+          </a:p>
+        </p:txBody>
+      </p:sp>
+      <p:sp>
+        <p:nvSpPr>
+          <p:cNvPr id="133" name="Shape 133"/>
+          <p:cNvSpPr>
+            <a:spLocks noGrp="1"/>
+          </p:cNvSpPr>
+          <p:nvPr>
+            <p:ph type="body" sz="half" idx="1"/>
+          </p:nvPr>
+        </p:nvSpPr>
+        <p:spPr>
+          <a:xfrm>
+            <a:off x="845716" y="1590272"/>
+            <a:ext cx="7636024" cy="7012552"/>
+          </a:xfrm>
+          <a:prstGeom prst="rect">
+            <a:avLst/>
+          </a:prstGeom>
+        </p:spPr>
+        <p:txBody>
+          <a:bodyPr>
+            <a:normAutofit/>
+          </a:bodyPr>
+          <a:lstStyle/>
+          <a:p>
+            <a:pPr marL="385826" indent="-385826" defTabSz="572516">
+              <a:spcBef>
+                <a:spcPts val="2700"/>
+              </a:spcBef>
+              <a:defRPr sz="3136">
+                <a:effectLst>
+                  <a:outerShdw blurRad="24892" dist="24892" dir="5520000" rotWithShape="0">
+                    <a:srgbClr val="FFFFFF">
+                      <a:alpha val="71999"/>
+                    </a:srgbClr>
+                  </a:outerShdw>
+                </a:effectLst>
+              </a:defRPr>
+            </a:pPr>
+            <a:r>
+              <a:rPr dirty="0"/>
+              <a:t>Los </a:t>
+            </a:r>
+            <a:r>
+              <a:rPr dirty="0" err="1"/>
+              <a:t>suelos</a:t>
+            </a:r>
+            <a:r>
+              <a:rPr dirty="0"/>
+              <a:t> </a:t>
+            </a:r>
+            <a:r>
+              <a:rPr dirty="0" err="1"/>
+              <a:t>arcillosos</a:t>
+            </a:r>
+            <a:r>
+              <a:rPr dirty="0"/>
+              <a:t> se </a:t>
+            </a:r>
+            <a:r>
+              <a:rPr dirty="0" err="1"/>
+              <a:t>denominan</a:t>
+            </a:r>
+            <a:r>
+              <a:rPr dirty="0"/>
+              <a:t> </a:t>
+            </a:r>
+            <a:r>
+              <a:rPr dirty="0" err="1"/>
+              <a:t>suelos</a:t>
+            </a:r>
+            <a:r>
+              <a:rPr dirty="0"/>
+              <a:t> </a:t>
+            </a:r>
+            <a:r>
+              <a:rPr dirty="0" err="1"/>
+              <a:t>pesados</a:t>
+            </a:r>
+            <a:r>
+              <a:rPr dirty="0"/>
+              <a:t> o </a:t>
+            </a:r>
+            <a:r>
+              <a:rPr dirty="0" err="1"/>
+              <a:t>fuertes</a:t>
+            </a:r>
+            <a:r>
+              <a:rPr dirty="0"/>
+              <a:t>. </a:t>
+            </a:r>
+            <a:r>
+              <a:rPr dirty="0" err="1"/>
+              <a:t>Presentan</a:t>
+            </a:r>
+            <a:r>
+              <a:rPr dirty="0"/>
+              <a:t> </a:t>
+            </a:r>
+            <a:r>
+              <a:rPr dirty="0" err="1"/>
+              <a:t>baja</a:t>
+            </a:r>
+            <a:r>
+              <a:rPr dirty="0"/>
+              <a:t> </a:t>
+            </a:r>
+            <a:r>
+              <a:rPr dirty="0" err="1"/>
+              <a:t>permeabilidad</a:t>
+            </a:r>
+            <a:r>
+              <a:rPr dirty="0"/>
+              <a:t> al </a:t>
+            </a:r>
+            <a:r>
+              <a:rPr dirty="0" err="1"/>
+              <a:t>agua</a:t>
+            </a:r>
+            <a:r>
+              <a:rPr dirty="0"/>
+              <a:t> y </a:t>
+            </a:r>
+            <a:r>
+              <a:rPr dirty="0" err="1"/>
+              <a:t>elevada</a:t>
+            </a:r>
+            <a:r>
+              <a:rPr dirty="0"/>
+              <a:t> </a:t>
+            </a:r>
+            <a:r>
+              <a:rPr dirty="0" err="1"/>
+              <a:t>retención</a:t>
+            </a:r>
+            <a:r>
+              <a:rPr dirty="0"/>
+              <a:t> de </a:t>
+            </a:r>
+            <a:r>
+              <a:rPr dirty="0" err="1"/>
+              <a:t>agua</a:t>
+            </a:r>
+            <a:r>
+              <a:rPr dirty="0"/>
+              <a:t> y de </a:t>
+            </a:r>
+            <a:r>
+              <a:rPr dirty="0" err="1"/>
+              <a:t>nutrientes</a:t>
+            </a:r>
+            <a:r>
+              <a:rPr dirty="0"/>
+              <a:t>.</a:t>
+            </a:r>
+            <a:endParaRPr lang="es-MX" dirty="0"/>
+          </a:p>
+          <a:p>
+            <a:pPr marL="385826" indent="-385826" defTabSz="572516">
+              <a:spcBef>
+                <a:spcPts val="2700"/>
+              </a:spcBef>
+              <a:defRPr sz="3136">
+                <a:effectLst>
+                  <a:outerShdw blurRad="24892" dist="24892" dir="5520000" rotWithShape="0">
+                    <a:srgbClr val="FFFFFF">
+                      <a:alpha val="71999"/>
+                    </a:srgbClr>
+                  </a:outerShdw>
+                </a:effectLst>
+              </a:defRPr>
+            </a:pPr>
+            <a:endParaRPr lang="es-MX" dirty="0"/>
+          </a:p>
+          <a:p>
+            <a:pPr marL="385826" indent="-385826" defTabSz="572516">
+              <a:spcBef>
+                <a:spcPts val="2700"/>
+              </a:spcBef>
+              <a:defRPr sz="3136">
+                <a:effectLst>
+                  <a:outerShdw blurRad="24892" dist="24892" dir="5520000" rotWithShape="0">
+                    <a:srgbClr val="FFFFFF">
+                      <a:alpha val="71999"/>
+                    </a:srgbClr>
+                  </a:outerShdw>
+                </a:effectLst>
+              </a:defRPr>
+            </a:pPr>
+            <a:endParaRPr dirty="0"/>
+          </a:p>
+          <a:p>
+            <a:pPr marL="385826" indent="-385826" defTabSz="572516">
+              <a:spcBef>
+                <a:spcPts val="2700"/>
+              </a:spcBef>
+              <a:defRPr sz="3136">
+                <a:effectLst>
+                  <a:outerShdw blurRad="24892" dist="24892" dir="5520000" rotWithShape="0">
+                    <a:srgbClr val="FFFFFF">
+                      <a:alpha val="71999"/>
+                    </a:srgbClr>
+                  </a:outerShdw>
+                </a:effectLst>
+              </a:defRPr>
+            </a:pPr>
+            <a:r>
+              <a:rPr dirty="0"/>
+              <a:t>La </a:t>
+            </a:r>
+            <a:r>
+              <a:rPr dirty="0" err="1"/>
+              <a:t>característica</a:t>
+            </a:r>
+            <a:r>
+              <a:rPr dirty="0"/>
+              <a:t> </a:t>
+            </a:r>
+            <a:r>
+              <a:rPr dirty="0" err="1"/>
+              <a:t>física</a:t>
+            </a:r>
+            <a:r>
+              <a:rPr dirty="0"/>
+              <a:t> </a:t>
+            </a:r>
+            <a:r>
+              <a:rPr dirty="0" err="1"/>
+              <a:t>más</a:t>
+            </a:r>
+            <a:r>
+              <a:rPr dirty="0"/>
+              <a:t> </a:t>
+            </a:r>
+            <a:r>
+              <a:rPr dirty="0" err="1"/>
+              <a:t>significativa</a:t>
+            </a:r>
+            <a:r>
+              <a:rPr dirty="0"/>
+              <a:t> de las </a:t>
+            </a:r>
+            <a:r>
+              <a:rPr dirty="0" err="1"/>
+              <a:t>arcillas</a:t>
+            </a:r>
+            <a:r>
+              <a:rPr dirty="0"/>
+              <a:t> </a:t>
+            </a:r>
+            <a:r>
+              <a:rPr dirty="0" err="1"/>
+              <a:t>es</a:t>
+            </a:r>
+            <a:r>
+              <a:rPr dirty="0"/>
+              <a:t> la </a:t>
+            </a:r>
+            <a:r>
+              <a:rPr dirty="0" err="1"/>
+              <a:t>plasticidad</a:t>
+            </a:r>
+            <a:r>
+              <a:rPr dirty="0"/>
+              <a:t>, que </a:t>
+            </a:r>
+            <a:r>
+              <a:rPr dirty="0" err="1"/>
+              <a:t>es</a:t>
+            </a:r>
+            <a:r>
+              <a:rPr dirty="0"/>
+              <a:t> la </a:t>
+            </a:r>
+            <a:r>
+              <a:rPr dirty="0" err="1"/>
+              <a:t>capacidad</a:t>
+            </a:r>
+            <a:r>
+              <a:rPr dirty="0"/>
+              <a:t> de </a:t>
+            </a:r>
+            <a:r>
+              <a:rPr dirty="0" err="1"/>
+              <a:t>deformarse</a:t>
+            </a:r>
+            <a:r>
+              <a:rPr dirty="0"/>
+              <a:t> sin </a:t>
+            </a:r>
+            <a:r>
+              <a:rPr dirty="0" err="1"/>
+              <a:t>agrietarse</a:t>
+            </a:r>
+            <a:r>
+              <a:rPr dirty="0"/>
+              <a:t> ante un </a:t>
+            </a:r>
+            <a:r>
+              <a:rPr dirty="0" err="1"/>
+              <a:t>esfuerzo</a:t>
+            </a:r>
+            <a:r>
+              <a:rPr dirty="0"/>
+              <a:t> </a:t>
+            </a:r>
+            <a:r>
+              <a:rPr dirty="0" err="1"/>
+              <a:t>mecánico</a:t>
+            </a:r>
+            <a:r>
+              <a:rPr dirty="0"/>
+              <a:t> </a:t>
+            </a:r>
+            <a:r>
+              <a:rPr dirty="0" err="1"/>
+              <a:t>conservando</a:t>
+            </a:r>
+            <a:r>
+              <a:rPr dirty="0"/>
+              <a:t> la </a:t>
+            </a:r>
+            <a:r>
+              <a:rPr dirty="0" err="1"/>
+              <a:t>deformación</a:t>
+            </a:r>
+            <a:r>
+              <a:rPr dirty="0"/>
+              <a:t> al </a:t>
+            </a:r>
+            <a:r>
+              <a:rPr dirty="0" err="1"/>
+              <a:t>retirarse</a:t>
+            </a:r>
+            <a:r>
+              <a:rPr dirty="0"/>
+              <a:t> la </a:t>
+            </a:r>
+            <a:r>
+              <a:rPr dirty="0" err="1"/>
+              <a:t>carga</a:t>
+            </a:r>
+            <a:r>
+              <a:rPr dirty="0"/>
+              <a:t> (No se produce </a:t>
+            </a:r>
+            <a:r>
+              <a:rPr dirty="0" err="1"/>
+              <a:t>rebote</a:t>
+            </a:r>
+            <a:r>
+              <a:rPr dirty="0"/>
+              <a:t> </a:t>
+            </a:r>
+            <a:r>
+              <a:rPr dirty="0" err="1"/>
+              <a:t>elástico</a:t>
+            </a:r>
+            <a:r>
+              <a:rPr dirty="0"/>
+              <a:t>). </a:t>
+            </a:r>
+          </a:p>
+        </p:txBody>
+      </p:sp>
+      <p:pic>
+        <p:nvPicPr>
+          <p:cNvPr id="134" name="Captura de pantalla 2017-11-30 a la(s) 8.27.53 p.m..png"/>
+          <p:cNvPicPr>
+            <a:picLocks noChangeAspect="1"/>
+          </p:cNvPicPr>
+          <p:nvPr/>
+        </p:nvPicPr>
+        <p:blipFill>
+          <a:blip r:embed="rId2">
+            <a:extLst/>
+          </a:blip>
+          <a:stretch>
+            <a:fillRect/>
+          </a:stretch>
+        </p:blipFill>
+        <p:spPr>
+          <a:xfrm>
+            <a:off x="6659069" y="3968124"/>
+            <a:ext cx="5742930" cy="1213296"/>
+          </a:xfrm>
+          <a:prstGeom prst="rect">
+            <a:avLst/>
+          </a:prstGeom>
+          <a:ln w="12700">
+            <a:miter lim="400000"/>
+          </a:ln>
+        </p:spPr>
+      </p:pic>
+    </p:spTree>
+  </p:cSld>
+  <p:clrMapOvr>
+    <a:masterClrMapping/>
+  </p:clrMapOvr>
+  <p:transition spd="slow"/>
+</p:sld>
+</file>
+
+<file path=ppt/slides/slide11.xml><?xml version="1.0" encoding="utf-8"?>
+<p:sld xmlns:a="http://schemas.openxmlformats.org/drawingml/2006/main" xmlns:r="http://schemas.openxmlformats.org/officeDocument/2006/relationships" xmlns:p="http://schemas.openxmlformats.org/presentationml/2006/main">
+  <p:cSld>
+    <p:spTree>
+      <p:nvGrpSpPr>
+        <p:cNvPr id="1" name=""/>
+        <p:cNvGrpSpPr/>
+        <p:nvPr/>
+      </p:nvGrpSpPr>
+      <p:grpSpPr>
+        <a:xfrm>
+          <a:off x="0" y="0"/>
+          <a:ext cx="0" cy="0"/>
+          <a:chOff x="0" y="0"/>
+          <a:chExt cx="0" cy="0"/>
+        </a:xfrm>
+      </p:grpSpPr>
+      <p:sp>
+        <p:nvSpPr>
+          <p:cNvPr id="137" name="Shape 137"/>
+          <p:cNvSpPr>
+            <a:spLocks noGrp="1"/>
+          </p:cNvSpPr>
+          <p:nvPr>
+            <p:ph type="body" sz="half" idx="1"/>
+          </p:nvPr>
+        </p:nvSpPr>
+        <p:spPr>
+          <a:xfrm>
+            <a:off x="654098" y="1119264"/>
+            <a:ext cx="4514593" cy="7391400"/>
+          </a:xfrm>
+          <a:prstGeom prst="rect">
+            <a:avLst/>
+          </a:prstGeom>
+        </p:spPr>
+        <p:txBody>
+          <a:bodyPr>
+            <a:normAutofit/>
+          </a:bodyPr>
+          <a:lstStyle/>
+          <a:p>
+            <a:r>
+              <a:rPr sz="3600" dirty="0"/>
+              <a:t>La </a:t>
+            </a:r>
+            <a:r>
+              <a:rPr sz="3600" dirty="0" err="1"/>
+              <a:t>textura</a:t>
+            </a:r>
+            <a:r>
+              <a:rPr sz="3600" dirty="0"/>
+              <a:t> franca se </a:t>
+            </a:r>
+            <a:r>
+              <a:rPr sz="3600" dirty="0" err="1"/>
+              <a:t>considera</a:t>
+            </a:r>
+            <a:r>
+              <a:rPr sz="3600" dirty="0"/>
+              <a:t> la </a:t>
+            </a:r>
+            <a:r>
+              <a:rPr sz="3600" dirty="0" err="1"/>
+              <a:t>textura</a:t>
+            </a:r>
+            <a:r>
+              <a:rPr sz="3600" dirty="0"/>
+              <a:t> ideal, </a:t>
+            </a:r>
+            <a:r>
+              <a:rPr sz="3600" dirty="0" err="1"/>
+              <a:t>porque</a:t>
+            </a:r>
+            <a:r>
+              <a:rPr sz="3600" dirty="0"/>
+              <a:t> </a:t>
+            </a:r>
+            <a:r>
+              <a:rPr sz="3600" dirty="0" err="1"/>
+              <a:t>tiene</a:t>
+            </a:r>
+            <a:r>
+              <a:rPr sz="3600" dirty="0"/>
+              <a:t> </a:t>
+            </a:r>
+            <a:r>
+              <a:rPr sz="3600" dirty="0" err="1"/>
+              <a:t>una</a:t>
+            </a:r>
+            <a:r>
+              <a:rPr sz="3600" dirty="0"/>
+              <a:t> </a:t>
+            </a:r>
+            <a:r>
+              <a:rPr sz="3600" dirty="0" err="1"/>
+              <a:t>mezcla</a:t>
+            </a:r>
+            <a:r>
+              <a:rPr sz="3600" dirty="0"/>
+              <a:t> </a:t>
+            </a:r>
+            <a:r>
+              <a:rPr sz="3600" dirty="0" err="1"/>
+              <a:t>equilibrada</a:t>
+            </a:r>
+            <a:r>
+              <a:rPr sz="3600" dirty="0"/>
+              <a:t> de arena, limo y </a:t>
+            </a:r>
+            <a:r>
+              <a:rPr sz="3600" dirty="0" err="1"/>
+              <a:t>arcilla</a:t>
+            </a:r>
+            <a:r>
+              <a:rPr sz="3600" dirty="0"/>
+              <a:t>. </a:t>
+            </a:r>
+            <a:endParaRPr lang="es-MX" sz="3600" dirty="0"/>
+          </a:p>
+          <a:p>
+            <a:endParaRPr sz="3600" dirty="0"/>
+          </a:p>
+          <a:p>
+            <a:r>
+              <a:rPr sz="3600" dirty="0" err="1"/>
+              <a:t>Esto</a:t>
+            </a:r>
+            <a:r>
+              <a:rPr sz="3600" dirty="0"/>
+              <a:t> </a:t>
+            </a:r>
+            <a:r>
+              <a:rPr sz="3600" dirty="0" err="1"/>
+              <a:t>supone</a:t>
+            </a:r>
+            <a:r>
+              <a:rPr sz="3600" dirty="0"/>
+              <a:t> un </a:t>
+            </a:r>
+            <a:r>
+              <a:rPr sz="3600" dirty="0" err="1"/>
+              <a:t>equilibrio</a:t>
+            </a:r>
+            <a:r>
+              <a:rPr sz="3600" dirty="0"/>
+              <a:t> entre </a:t>
+            </a:r>
+            <a:r>
+              <a:rPr sz="3600" dirty="0" err="1"/>
+              <a:t>permeabilidad</a:t>
+            </a:r>
+            <a:r>
+              <a:rPr sz="3600" dirty="0"/>
+              <a:t> al </a:t>
+            </a:r>
+            <a:r>
+              <a:rPr sz="3600" dirty="0" err="1"/>
+              <a:t>agua</a:t>
+            </a:r>
+            <a:r>
+              <a:rPr sz="3600" dirty="0"/>
+              <a:t> y </a:t>
+            </a:r>
+            <a:r>
+              <a:rPr sz="3600" dirty="0" err="1"/>
+              <a:t>retención</a:t>
+            </a:r>
+            <a:r>
+              <a:rPr sz="3600" dirty="0"/>
+              <a:t> de </a:t>
+            </a:r>
+            <a:r>
+              <a:rPr sz="3600" dirty="0" err="1"/>
+              <a:t>agua</a:t>
+            </a:r>
+            <a:r>
+              <a:rPr sz="3600" dirty="0"/>
+              <a:t> y de </a:t>
+            </a:r>
+            <a:r>
+              <a:rPr sz="3600" dirty="0" err="1"/>
+              <a:t>nutrientes</a:t>
+            </a:r>
+            <a:r>
+              <a:rPr sz="3600" dirty="0"/>
+              <a:t>.</a:t>
+            </a:r>
+          </a:p>
+        </p:txBody>
+      </p:sp>
+      <p:pic>
+        <p:nvPicPr>
+          <p:cNvPr id="138" name="Captura de pantalla 2017-11-30 a la(s) 8.31.09 p.m..png"/>
+          <p:cNvPicPr>
+            <a:picLocks noChangeAspect="1"/>
+          </p:cNvPicPr>
+          <p:nvPr/>
+        </p:nvPicPr>
+        <p:blipFill>
+          <a:blip r:embed="rId2">
+            <a:extLst/>
+          </a:blip>
+          <a:stretch>
+            <a:fillRect/>
+          </a:stretch>
+        </p:blipFill>
+        <p:spPr>
+          <a:xfrm>
+            <a:off x="5168691" y="1191604"/>
+            <a:ext cx="7182011" cy="7370392"/>
+          </a:xfrm>
+          <a:prstGeom prst="rect">
+            <a:avLst/>
+          </a:prstGeom>
+          <a:ln w="12700">
+            <a:miter lim="400000"/>
+          </a:ln>
+        </p:spPr>
+      </p:pic>
+    </p:spTree>
+  </p:cSld>
+  <p:clrMapOvr>
+    <a:masterClrMapping/>
+  </p:clrMapOvr>
+  <p:transition spd="slow"/>
+</p:sld>
+</file>
+
+<file path=ppt/slides/slide12.xml><?xml version="1.0" encoding="utf-8"?>
+<p:sld xmlns:a="http://schemas.openxmlformats.org/drawingml/2006/main" xmlns:r="http://schemas.openxmlformats.org/officeDocument/2006/relationships" xmlns:p="http://schemas.openxmlformats.org/presentationml/2006/main">
+  <p:cSld>
+    <p:spTree>
+      <p:nvGrpSpPr>
+        <p:cNvPr id="1" name=""/>
+        <p:cNvGrpSpPr/>
+        <p:nvPr/>
+      </p:nvGrpSpPr>
+      <p:grpSpPr>
+        <a:xfrm>
+          <a:off x="0" y="0"/>
+          <a:ext cx="0" cy="0"/>
+          <a:chOff x="0" y="0"/>
+          <a:chExt cx="0" cy="0"/>
+        </a:xfrm>
+      </p:grpSpPr>
+      <p:pic>
+        <p:nvPicPr>
+          <p:cNvPr id="141" name="Captura de pantalla 2017-11-30 a la(s) 8.31.55 p.m..png"/>
+          <p:cNvPicPr>
+            <a:picLocks noChangeAspect="1"/>
+          </p:cNvPicPr>
+          <p:nvPr/>
+        </p:nvPicPr>
+        <p:blipFill>
+          <a:blip r:embed="rId2">
+            <a:extLst/>
+          </a:blip>
+          <a:stretch>
+            <a:fillRect/>
+          </a:stretch>
+        </p:blipFill>
+        <p:spPr>
+          <a:xfrm>
+            <a:off x="4277966" y="933060"/>
+            <a:ext cx="8145667" cy="7589765"/>
+          </a:xfrm>
+          <a:prstGeom prst="rect">
+            <a:avLst/>
+          </a:prstGeom>
+          <a:ln w="12700">
+            <a:miter lim="400000"/>
+          </a:ln>
+        </p:spPr>
+      </p:pic>
+      <p:sp>
+        <p:nvSpPr>
+          <p:cNvPr id="5" name="Shape 140">
+            <a:extLst>
+              <a:ext uri="{FF2B5EF4-FFF2-40B4-BE49-F238E27FC236}">
+                <a16:creationId xmlns:a16="http://schemas.microsoft.com/office/drawing/2014/main" id="{25BD3D31-0C0F-496E-9693-9246C4838147}"/>
+              </a:ext>
+            </a:extLst>
+          </p:cNvPr>
+          <p:cNvSpPr>
+            <a:spLocks noGrp="1"/>
+          </p:cNvSpPr>
+          <p:nvPr>
+            <p:ph type="body" sz="quarter" idx="1"/>
+          </p:nvPr>
+        </p:nvSpPr>
+        <p:spPr>
+          <a:xfrm>
+            <a:off x="581167" y="1169435"/>
+            <a:ext cx="3243986" cy="6444343"/>
+          </a:xfrm>
+          <a:prstGeom prst="rect">
+            <a:avLst/>
+          </a:prstGeom>
+        </p:spPr>
+        <p:txBody>
+          <a:bodyPr>
+            <a:normAutofit/>
+          </a:bodyPr>
+          <a:lstStyle>
+            <a:lvl1pPr marL="362204" indent="-362204" defTabSz="537463">
+              <a:spcBef>
+                <a:spcPts val="2500"/>
+              </a:spcBef>
+              <a:defRPr sz="2944">
+                <a:effectLst>
+                  <a:outerShdw blurRad="23368" dist="23368" dir="5520000" rotWithShape="0">
+                    <a:srgbClr val="FFFFFF">
+                      <a:alpha val="71999"/>
+                    </a:srgbClr>
+                  </a:outerShdw>
+                </a:effectLst>
+              </a:defRPr>
+            </a:lvl1pPr>
+          </a:lstStyle>
+          <a:p>
+            <a:r>
+              <a:rPr sz="3600" dirty="0"/>
+              <a:t>Las </a:t>
+            </a:r>
+            <a:r>
+              <a:rPr sz="3600" dirty="0" err="1"/>
+              <a:t>arcillas</a:t>
+            </a:r>
+            <a:r>
+              <a:rPr sz="3600" dirty="0"/>
+              <a:t> de </a:t>
+            </a:r>
+            <a:r>
+              <a:rPr sz="3600" dirty="0" err="1"/>
+              <a:t>acuerdo</a:t>
+            </a:r>
+            <a:r>
+              <a:rPr sz="3600" dirty="0"/>
+              <a:t> al </a:t>
+            </a:r>
+            <a:r>
+              <a:rPr sz="3600" dirty="0" err="1"/>
+              <a:t>grado</a:t>
+            </a:r>
+            <a:r>
+              <a:rPr sz="3600" dirty="0"/>
+              <a:t> de </a:t>
+            </a:r>
+            <a:r>
+              <a:rPr sz="3600" dirty="0" err="1"/>
+              <a:t>plasticidad</a:t>
+            </a:r>
+            <a:r>
+              <a:rPr sz="3600" dirty="0"/>
+              <a:t> se </a:t>
+            </a:r>
+            <a:r>
+              <a:rPr sz="3600" dirty="0" err="1"/>
+              <a:t>clasifican</a:t>
+            </a:r>
+            <a:r>
+              <a:rPr sz="3600" dirty="0"/>
+              <a:t> </a:t>
+            </a:r>
+            <a:r>
+              <a:rPr sz="3600" dirty="0" err="1"/>
+              <a:t>en</a:t>
+            </a:r>
+            <a:r>
+              <a:rPr sz="3600" dirty="0"/>
+              <a:t> </a:t>
+            </a:r>
+            <a:r>
+              <a:rPr sz="3600" dirty="0" err="1"/>
+              <a:t>magras</a:t>
+            </a:r>
+            <a:r>
+              <a:rPr sz="3600" dirty="0"/>
+              <a:t> y </a:t>
+            </a:r>
+            <a:r>
+              <a:rPr sz="3600" dirty="0" err="1"/>
+              <a:t>grasas</a:t>
+            </a:r>
+            <a:r>
+              <a:rPr sz="3600" dirty="0"/>
+              <a:t>. </a:t>
+            </a:r>
+          </a:p>
+        </p:txBody>
+      </p:sp>
+    </p:spTree>
+  </p:cSld>
+  <p:clrMapOvr>
+    <a:masterClrMapping/>
+  </p:clrMapOvr>
+  <p:transition spd="slow"/>
+</p:sld>
+</file>
+
+<file path=ppt/slides/slide13.xml><?xml version="1.0" encoding="utf-8"?>
+<p:sld xmlns:a="http://schemas.openxmlformats.org/drawingml/2006/main" xmlns:r="http://schemas.openxmlformats.org/officeDocument/2006/relationships" xmlns:p="http://schemas.openxmlformats.org/presentationml/2006/main">
+  <p:cSld>
+    <p:spTree>
+      <p:nvGrpSpPr>
+        <p:cNvPr id="1" name=""/>
+        <p:cNvGrpSpPr/>
+        <p:nvPr/>
+      </p:nvGrpSpPr>
+      <p:grpSpPr>
+        <a:xfrm>
+          <a:off x="0" y="0"/>
+          <a:ext cx="0" cy="0"/>
+          <a:chOff x="0" y="0"/>
+          <a:chExt cx="0" cy="0"/>
+        </a:xfrm>
+      </p:grpSpPr>
+      <p:pic>
+        <p:nvPicPr>
+          <p:cNvPr id="145" name="Captura de pantalla 2017-11-30 a la(s) 8.32.55 p.m..png"/>
+          <p:cNvPicPr>
+            <a:picLocks noChangeAspect="1"/>
+          </p:cNvPicPr>
+          <p:nvPr/>
+        </p:nvPicPr>
+        <p:blipFill>
+          <a:blip r:embed="rId2">
+            <a:extLst/>
+          </a:blip>
+          <a:stretch>
+            <a:fillRect/>
+          </a:stretch>
+        </p:blipFill>
+        <p:spPr>
+          <a:xfrm>
+            <a:off x="1630412" y="444499"/>
+            <a:ext cx="9483065" cy="8867451"/>
+          </a:xfrm>
+          <a:prstGeom prst="rect">
+            <a:avLst/>
+          </a:prstGeom>
+          <a:ln w="12700">
+            <a:miter lim="400000"/>
+          </a:ln>
+        </p:spPr>
+      </p:pic>
+    </p:spTree>
+  </p:cSld>
+  <p:clrMapOvr>
+    <a:masterClrMapping/>
+  </p:clrMapOvr>
+  <p:transition spd="slow"/>
+</p:sld>
+</file>
+
+<file path=ppt/slides/slide14.xml><?xml version="1.0" encoding="utf-8"?>
+<p:sld xmlns:a="http://schemas.openxmlformats.org/drawingml/2006/main" xmlns:r="http://schemas.openxmlformats.org/officeDocument/2006/relationships" xmlns:p="http://schemas.openxmlformats.org/presentationml/2006/main">
+  <p:cSld>
+    <p:spTree>
+      <p:nvGrpSpPr>
+        <p:cNvPr id="1" name=""/>
+        <p:cNvGrpSpPr/>
+        <p:nvPr/>
+      </p:nvGrpSpPr>
+      <p:grpSpPr>
+        <a:xfrm>
+          <a:off x="0" y="0"/>
+          <a:ext cx="0" cy="0"/>
+          <a:chOff x="0" y="0"/>
+          <a:chExt cx="0" cy="0"/>
+        </a:xfrm>
+      </p:grpSpPr>
+      <p:sp>
+        <p:nvSpPr>
+          <p:cNvPr id="147" name="Shape 147"/>
+          <p:cNvSpPr>
+            <a:spLocks noGrp="1"/>
+          </p:cNvSpPr>
+          <p:nvPr>
+            <p:ph type="title"/>
+          </p:nvPr>
+        </p:nvSpPr>
+        <p:spPr>
+          <a:xfrm>
+            <a:off x="638369" y="1138853"/>
+            <a:ext cx="12366431" cy="1714500"/>
+          </a:xfrm>
+          <a:prstGeom prst="rect">
+            <a:avLst/>
+          </a:prstGeom>
+        </p:spPr>
+        <p:txBody>
+          <a:bodyPr/>
+          <a:lstStyle/>
+          <a:p>
+            <a:r>
+              <a:t>CLASIFICADOR ALTA-BAJA PLASTICIDAD</a:t>
+            </a:r>
+          </a:p>
+        </p:txBody>
+      </p:sp>
+      <p:pic>
+        <p:nvPicPr>
+          <p:cNvPr id="149" name="Sin-título-8.gif"/>
+          <p:cNvPicPr>
+            <a:picLocks noChangeAspect="1"/>
+          </p:cNvPicPr>
+          <p:nvPr/>
+        </p:nvPicPr>
+        <p:blipFill>
+          <a:blip r:embed="rId2">
+            <a:extLst/>
+          </a:blip>
+          <a:stretch>
+            <a:fillRect/>
+          </a:stretch>
+        </p:blipFill>
+        <p:spPr>
+          <a:xfrm>
+            <a:off x="2323363" y="2157165"/>
+            <a:ext cx="8358073" cy="6457582"/>
+          </a:xfrm>
+          <a:prstGeom prst="rect">
+            <a:avLst/>
+          </a:prstGeom>
+          <a:ln w="12700">
+            <a:miter lim="400000"/>
+          </a:ln>
+        </p:spPr>
+      </p:pic>
+    </p:spTree>
+  </p:cSld>
+  <p:clrMapOvr>
+    <a:masterClrMapping/>
+  </p:clrMapOvr>
+  <p:transition spd="slow"/>
+</p:sld>
+</file>
+
+<file path=ppt/slides/slide15.xml><?xml version="1.0" encoding="utf-8"?>
 <p:sld xmlns:a="http://schemas.openxmlformats.org/drawingml/2006/main" xmlns:r="http://schemas.openxmlformats.org/officeDocument/2006/relationships" xmlns:p="http://schemas.openxmlformats.org/presentationml/2006/main">
   <p:cSld>
     <p:spTree>
@@ -3827,7 +4537,7 @@
 </p:sld>
 </file>
 
-<file path=ppt/slides/slide11.xml><?xml version="1.0" encoding="utf-8"?>
+<file path=ppt/slides/slide16.xml><?xml version="1.0" encoding="utf-8"?>
 <p:sld xmlns:a="http://schemas.openxmlformats.org/drawingml/2006/main" xmlns:r="http://schemas.openxmlformats.org/officeDocument/2006/relationships" xmlns:p="http://schemas.openxmlformats.org/presentationml/2006/main">
   <p:cSld>
     <p:spTree>
@@ -3882,7 +4592,107 @@
 </p:sld>
 </file>
 
-<file path=ppt/slides/slide12.xml><?xml version="1.0" encoding="utf-8"?>
+<file path=ppt/slides/slide17.xml><?xml version="1.0" encoding="utf-8"?>
+<p:sld xmlns:a="http://schemas.openxmlformats.org/drawingml/2006/main" xmlns:r="http://schemas.openxmlformats.org/officeDocument/2006/relationships" xmlns:p="http://schemas.openxmlformats.org/presentationml/2006/main">
+  <p:cSld>
+    <p:spTree>
+      <p:nvGrpSpPr>
+        <p:cNvPr id="1" name=""/>
+        <p:cNvGrpSpPr/>
+        <p:nvPr/>
+      </p:nvGrpSpPr>
+      <p:grpSpPr>
+        <a:xfrm>
+          <a:off x="0" y="0"/>
+          <a:ext cx="0" cy="0"/>
+          <a:chOff x="0" y="0"/>
+          <a:chExt cx="0" cy="0"/>
+        </a:xfrm>
+      </p:grpSpPr>
+      <p:sp>
+        <p:nvSpPr>
+          <p:cNvPr id="2" name="Título 1">
+            <a:extLst>
+              <a:ext uri="{FF2B5EF4-FFF2-40B4-BE49-F238E27FC236}">
+                <a16:creationId xmlns:a16="http://schemas.microsoft.com/office/drawing/2014/main" id="{AE329ED9-1BDF-41C1-BF35-F69C2C70C196}"/>
+              </a:ext>
+            </a:extLst>
+          </p:cNvPr>
+          <p:cNvSpPr>
+            <a:spLocks noGrp="1"/>
+          </p:cNvSpPr>
+          <p:nvPr>
+            <p:ph type="title"/>
+          </p:nvPr>
+        </p:nvSpPr>
+        <p:spPr>
+          <a:xfrm>
+            <a:off x="901700" y="993361"/>
+            <a:ext cx="11201400" cy="1714500"/>
+          </a:xfrm>
+        </p:spPr>
+        <p:txBody>
+          <a:bodyPr/>
+          <a:lstStyle/>
+          <a:p>
+            <a:pPr algn="ctr"/>
+            <a:r>
+              <a:rPr lang="es-ES" dirty="0"/>
+              <a:t>efectividad</a:t>
+            </a:r>
+          </a:p>
+        </p:txBody>
+      </p:sp>
+      <p:sp>
+        <p:nvSpPr>
+          <p:cNvPr id="3" name="Marcador de texto 2">
+            <a:extLst>
+              <a:ext uri="{FF2B5EF4-FFF2-40B4-BE49-F238E27FC236}">
+                <a16:creationId xmlns:a16="http://schemas.microsoft.com/office/drawing/2014/main" id="{D16E4780-063E-4D7D-990D-E324B77C5505}"/>
+              </a:ext>
+            </a:extLst>
+          </p:cNvPr>
+          <p:cNvSpPr>
+            <a:spLocks noGrp="1"/>
+          </p:cNvSpPr>
+          <p:nvPr>
+            <p:ph type="body" sz="quarter" idx="1"/>
+          </p:nvPr>
+        </p:nvSpPr>
+        <p:spPr/>
+        <p:txBody>
+          <a:bodyPr>
+            <a:normAutofit fontScale="92500" lnSpcReduction="10000"/>
+          </a:bodyPr>
+          <a:lstStyle/>
+          <a:p>
+            <a:pPr>
+              <a:lnSpc>
+                <a:spcPct val="150000"/>
+              </a:lnSpc>
+            </a:pPr>
+            <a:r>
+              <a:rPr lang="es-ES" dirty="0"/>
+              <a:t>Nuestro Código clasificó correctamente 19 de 20 muestras, tras entrenar con 90.</a:t>
+            </a:r>
+          </a:p>
+        </p:txBody>
+      </p:sp>
+    </p:spTree>
+    <p:extLst>
+      <p:ext uri="{BB962C8B-B14F-4D97-AF65-F5344CB8AC3E}">
+        <p14:creationId xmlns:p14="http://schemas.microsoft.com/office/powerpoint/2010/main" val="3136914759"/>
+      </p:ext>
+    </p:extLst>
+  </p:cSld>
+  <p:clrMapOvr>
+    <a:masterClrMapping/>
+  </p:clrMapOvr>
+  <p:transition spd="med"/>
+</p:sld>
+</file>
+
+<file path=ppt/slides/slide18.xml><?xml version="1.0" encoding="utf-8"?>
 <p:sld xmlns:a="http://schemas.openxmlformats.org/drawingml/2006/main" xmlns:r="http://schemas.openxmlformats.org/officeDocument/2006/relationships" xmlns:p="http://schemas.openxmlformats.org/presentationml/2006/main">
   <p:cSld>
     <p:spTree>
@@ -3947,6 +4757,24 @@
           <a:bodyPr/>
           <a:lstStyle/>
           <a:p>
+            <a:r>
+              <a:rPr lang="es-ES" dirty="0"/>
+              <a:t>En línea con nuestro primer proyecto, tomamos una aplicación relevante para la correcta edificación.</a:t>
+            </a:r>
+          </a:p>
+          <a:p>
+            <a:r>
+              <a:rPr lang="es-ES" dirty="0"/>
+              <a:t>El código presentado nos permite evaluar con bajo margen de error un suelo para clasificarlo.</a:t>
+            </a:r>
+          </a:p>
+          <a:p>
+            <a:r>
+              <a:rPr lang="es-ES" dirty="0"/>
+              <a:t>El código se desarrolló de manera que puede seguir creciendo, alimentándose y ser mucho más preciso aún.</a:t>
+            </a:r>
+          </a:p>
+          <a:p>
             <a:endParaRPr dirty="0"/>
           </a:p>
         </p:txBody>
@@ -3961,6 +4789,312 @@
 </file>
 
 <file path=ppt/slides/slide2.xml><?xml version="1.0" encoding="utf-8"?>
+<p:sld xmlns:a="http://schemas.openxmlformats.org/drawingml/2006/main" xmlns:r="http://schemas.openxmlformats.org/officeDocument/2006/relationships" xmlns:p="http://schemas.openxmlformats.org/presentationml/2006/main">
+  <p:cSld>
+    <p:spTree>
+      <p:nvGrpSpPr>
+        <p:cNvPr id="1" name=""/>
+        <p:cNvGrpSpPr/>
+        <p:nvPr/>
+      </p:nvGrpSpPr>
+      <p:grpSpPr>
+        <a:xfrm>
+          <a:off x="0" y="0"/>
+          <a:ext cx="0" cy="0"/>
+          <a:chOff x="0" y="0"/>
+          <a:chExt cx="0" cy="0"/>
+        </a:xfrm>
+      </p:grpSpPr>
+      <p:sp>
+        <p:nvSpPr>
+          <p:cNvPr id="2" name="Título 1">
+            <a:extLst>
+              <a:ext uri="{FF2B5EF4-FFF2-40B4-BE49-F238E27FC236}">
+                <a16:creationId xmlns:a16="http://schemas.microsoft.com/office/drawing/2014/main" id="{559C9379-C652-41FB-B017-72ADC51FAF62}"/>
+              </a:ext>
+            </a:extLst>
+          </p:cNvPr>
+          <p:cNvSpPr>
+            <a:spLocks noGrp="1"/>
+          </p:cNvSpPr>
+          <p:nvPr>
+            <p:ph type="title"/>
+          </p:nvPr>
+        </p:nvSpPr>
+        <p:spPr/>
+        <p:txBody>
+          <a:bodyPr/>
+          <a:lstStyle/>
+          <a:p>
+            <a:r>
+              <a:rPr lang="es-ES" dirty="0"/>
+              <a:t>INTRODUCCIÓN</a:t>
+            </a:r>
+          </a:p>
+        </p:txBody>
+      </p:sp>
+      <p:sp>
+        <p:nvSpPr>
+          <p:cNvPr id="3" name="Marcador de texto 2">
+            <a:extLst>
+              <a:ext uri="{FF2B5EF4-FFF2-40B4-BE49-F238E27FC236}">
+                <a16:creationId xmlns:a16="http://schemas.microsoft.com/office/drawing/2014/main" id="{0E6001C1-810C-468A-A13F-E34CC1DF4A37}"/>
+              </a:ext>
+            </a:extLst>
+          </p:cNvPr>
+          <p:cNvSpPr>
+            <a:spLocks noGrp="1"/>
+          </p:cNvSpPr>
+          <p:nvPr>
+            <p:ph type="body" idx="1"/>
+          </p:nvPr>
+        </p:nvSpPr>
+        <p:spPr>
+          <a:xfrm>
+            <a:off x="901700" y="1908313"/>
+            <a:ext cx="11201400" cy="6664187"/>
+          </a:xfrm>
+        </p:spPr>
+        <p:txBody>
+          <a:bodyPr>
+            <a:normAutofit fontScale="92500"/>
+          </a:bodyPr>
+          <a:lstStyle/>
+          <a:p>
+            <a:pPr marL="0" indent="0" algn="just">
+              <a:buNone/>
+            </a:pPr>
+            <a:r>
+              <a:rPr lang="es-ES" dirty="0"/>
+              <a:t>En el basto mundo de la ingeniería persisten inconmensurables fenómenos físicos de los cuales es preciso determinar diferentes modelos para así poder estimar y valorar un comportamiento deseado para desarrollar acciones que tiendan a un fin específico. Valoramos así una de las más importantes e imprescindibles áreas de la ingeniería: La geotecnia.</a:t>
+            </a:r>
+          </a:p>
+          <a:p>
+            <a:pPr marL="0" indent="0" algn="just">
+              <a:buNone/>
+            </a:pPr>
+            <a:r>
+              <a:rPr lang="es-ES" dirty="0"/>
+              <a:t> El correcto estudio y clasificación del suelo nos permiten diseñar proyectos de manera óptima a través del conocimiento de las capacidades y propiedades físicas del suelo, pues facilita y permite determinar su comportamiento ipso facto calcular y diseñar las estructuras que cualquier proyecto demande.</a:t>
+            </a:r>
+          </a:p>
+        </p:txBody>
+      </p:sp>
+    </p:spTree>
+    <p:extLst>
+      <p:ext uri="{BB962C8B-B14F-4D97-AF65-F5344CB8AC3E}">
+        <p14:creationId xmlns:p14="http://schemas.microsoft.com/office/powerpoint/2010/main" val="1391505855"/>
+      </p:ext>
+    </p:extLst>
+  </p:cSld>
+  <p:clrMapOvr>
+    <a:masterClrMapping/>
+  </p:clrMapOvr>
+  <p:transition spd="med"/>
+</p:sld>
+</file>
+
+<file path=ppt/slides/slide3.xml><?xml version="1.0" encoding="utf-8"?>
+<p:sld xmlns:a="http://schemas.openxmlformats.org/drawingml/2006/main" xmlns:r="http://schemas.openxmlformats.org/officeDocument/2006/relationships" xmlns:p="http://schemas.openxmlformats.org/presentationml/2006/main">
+  <p:cSld>
+    <p:spTree>
+      <p:nvGrpSpPr>
+        <p:cNvPr id="1" name=""/>
+        <p:cNvGrpSpPr/>
+        <p:nvPr/>
+      </p:nvGrpSpPr>
+      <p:grpSpPr>
+        <a:xfrm>
+          <a:off x="0" y="0"/>
+          <a:ext cx="0" cy="0"/>
+          <a:chOff x="0" y="0"/>
+          <a:chExt cx="0" cy="0"/>
+        </a:xfrm>
+      </p:grpSpPr>
+      <p:sp>
+        <p:nvSpPr>
+          <p:cNvPr id="3" name="Marcador de texto 2">
+            <a:extLst>
+              <a:ext uri="{FF2B5EF4-FFF2-40B4-BE49-F238E27FC236}">
+                <a16:creationId xmlns:a16="http://schemas.microsoft.com/office/drawing/2014/main" id="{386494DC-21A2-4EA5-888D-4D699A1B5A82}"/>
+              </a:ext>
+            </a:extLst>
+          </p:cNvPr>
+          <p:cNvSpPr>
+            <a:spLocks noGrp="1"/>
+          </p:cNvSpPr>
+          <p:nvPr>
+            <p:ph type="body" idx="1"/>
+          </p:nvPr>
+        </p:nvSpPr>
+        <p:spPr>
+          <a:xfrm>
+            <a:off x="901700" y="1967948"/>
+            <a:ext cx="11201400" cy="6604552"/>
+          </a:xfrm>
+        </p:spPr>
+        <p:txBody>
+          <a:bodyPr>
+            <a:normAutofit/>
+          </a:bodyPr>
+          <a:lstStyle/>
+          <a:p>
+            <a:pPr marL="0" indent="0" algn="just">
+              <a:buNone/>
+            </a:pPr>
+            <a:r>
+              <a:rPr lang="es-ES" dirty="0"/>
+              <a:t>Proponemos así el desarrollo de un clasificador basado en los límites de Atterberg en su propiedad de plasticidad, así como el límite líquido. La clasificación permite conocer propiedades básicas del estrato, tales como la permeabilidad, la resistencia al corte, compresibilidad, entre otras propiedades que indican el tipo de tratamiento por el cuál se velará en un proyecto constructivo.</a:t>
+            </a:r>
+          </a:p>
+          <a:p>
+            <a:pPr marL="0" indent="0" algn="just">
+              <a:buNone/>
+            </a:pPr>
+            <a:r>
+              <a:rPr lang="es-ES" dirty="0"/>
+              <a:t> Lo anterior implica diversas aplicaciones como lo es la selección de la maquinaria, el cálculo de la capacidad de carga del suelo, así como la facilidad en el estudio de fenómenos tales como el </a:t>
+            </a:r>
+            <a:r>
+              <a:rPr lang="es-ES" dirty="0" err="1"/>
+              <a:t>sifonameinto</a:t>
+            </a:r>
+            <a:r>
+              <a:rPr lang="es-ES" dirty="0"/>
+              <a:t> y la licuefacción.</a:t>
+            </a:r>
+          </a:p>
+          <a:p>
+            <a:endParaRPr lang="es-ES" dirty="0"/>
+          </a:p>
+        </p:txBody>
+      </p:sp>
+    </p:spTree>
+    <p:extLst>
+      <p:ext uri="{BB962C8B-B14F-4D97-AF65-F5344CB8AC3E}">
+        <p14:creationId xmlns:p14="http://schemas.microsoft.com/office/powerpoint/2010/main" val="774913352"/>
+      </p:ext>
+    </p:extLst>
+  </p:cSld>
+  <p:clrMapOvr>
+    <a:masterClrMapping/>
+  </p:clrMapOvr>
+  <p:transition spd="med"/>
+</p:sld>
+</file>
+
+<file path=ppt/slides/slide4.xml><?xml version="1.0" encoding="utf-8"?>
+<p:sld xmlns:a="http://schemas.openxmlformats.org/drawingml/2006/main" xmlns:r="http://schemas.openxmlformats.org/officeDocument/2006/relationships" xmlns:p="http://schemas.openxmlformats.org/presentationml/2006/main">
+  <p:cSld>
+    <p:spTree>
+      <p:nvGrpSpPr>
+        <p:cNvPr id="1" name=""/>
+        <p:cNvGrpSpPr/>
+        <p:nvPr/>
+      </p:nvGrpSpPr>
+      <p:grpSpPr>
+        <a:xfrm>
+          <a:off x="0" y="0"/>
+          <a:ext cx="0" cy="0"/>
+          <a:chOff x="0" y="0"/>
+          <a:chExt cx="0" cy="0"/>
+        </a:xfrm>
+      </p:grpSpPr>
+      <p:sp>
+        <p:nvSpPr>
+          <p:cNvPr id="2" name="Título 1">
+            <a:extLst>
+              <a:ext uri="{FF2B5EF4-FFF2-40B4-BE49-F238E27FC236}">
+                <a16:creationId xmlns:a16="http://schemas.microsoft.com/office/drawing/2014/main" id="{7F5E991E-4AB2-4769-8C2E-4147B4AF1602}"/>
+              </a:ext>
+            </a:extLst>
+          </p:cNvPr>
+          <p:cNvSpPr>
+            <a:spLocks noGrp="1"/>
+          </p:cNvSpPr>
+          <p:nvPr>
+            <p:ph type="title"/>
+          </p:nvPr>
+        </p:nvSpPr>
+        <p:spPr/>
+        <p:txBody>
+          <a:bodyPr/>
+          <a:lstStyle/>
+          <a:p>
+            <a:r>
+              <a:rPr lang="es-ES" dirty="0"/>
+              <a:t>OBJETIVOS</a:t>
+            </a:r>
+          </a:p>
+        </p:txBody>
+      </p:sp>
+      <p:sp>
+        <p:nvSpPr>
+          <p:cNvPr id="3" name="Marcador de texto 2">
+            <a:extLst>
+              <a:ext uri="{FF2B5EF4-FFF2-40B4-BE49-F238E27FC236}">
+                <a16:creationId xmlns:a16="http://schemas.microsoft.com/office/drawing/2014/main" id="{F9C092E3-6B7A-457D-B790-A7A248C814BC}"/>
+              </a:ext>
+            </a:extLst>
+          </p:cNvPr>
+          <p:cNvSpPr>
+            <a:spLocks noGrp="1"/>
+          </p:cNvSpPr>
+          <p:nvPr>
+            <p:ph type="body" idx="1"/>
+          </p:nvPr>
+        </p:nvSpPr>
+        <p:spPr/>
+        <p:txBody>
+          <a:bodyPr>
+            <a:normAutofit fontScale="92500" lnSpcReduction="10000"/>
+          </a:bodyPr>
+          <a:lstStyle/>
+          <a:p>
+            <a:pPr algn="just"/>
+            <a:r>
+              <a:rPr lang="es-ES" dirty="0"/>
+              <a:t>Realizar un programa que genere una gráfica que presente por eje de las ordenadas el límite líquido y por el de las abscisas el índice plástico de un suelo.</a:t>
+            </a:r>
+          </a:p>
+          <a:p>
+            <a:pPr algn="just"/>
+            <a:r>
+              <a:rPr lang="es-ES" dirty="0"/>
+              <a:t>Mediante los datos obtenidos clasificar el suelo en un punto particular del área de la carta.</a:t>
+            </a:r>
+          </a:p>
+          <a:p>
+            <a:pPr algn="just"/>
+            <a:r>
+              <a:rPr lang="es-ES" dirty="0"/>
+              <a:t>Definir y categorizar el suelo, si es un limo o arcilla, dependiendo de la posición con respecto de la línea de división A.</a:t>
+            </a:r>
+          </a:p>
+          <a:p>
+            <a:pPr algn="just"/>
+            <a:r>
+              <a:rPr lang="es-ES" dirty="0"/>
+              <a:t>Determinar el índice de plasticidad, si es baja o alta plasticidad, dependiendo de la posición respecto del 50 de LL.</a:t>
+            </a:r>
+          </a:p>
+        </p:txBody>
+      </p:sp>
+    </p:spTree>
+    <p:extLst>
+      <p:ext uri="{BB962C8B-B14F-4D97-AF65-F5344CB8AC3E}">
+        <p14:creationId xmlns:p14="http://schemas.microsoft.com/office/powerpoint/2010/main" val="2193125585"/>
+      </p:ext>
+    </p:extLst>
+  </p:cSld>
+  <p:clrMapOvr>
+    <a:masterClrMapping/>
+  </p:clrMapOvr>
+  <p:transition spd="med"/>
+</p:sld>
+</file>
+
+<file path=ppt/slides/slide5.xml><?xml version="1.0" encoding="utf-8"?>
 <p:sld xmlns:a="http://schemas.openxmlformats.org/drawingml/2006/main" xmlns:r="http://schemas.openxmlformats.org/officeDocument/2006/relationships" xmlns:p="http://schemas.openxmlformats.org/presentationml/2006/main">
   <p:cSld>
     <p:spTree>
@@ -4072,7 +5206,7 @@
           </a:ln>
           <a:extLst>
             <a:ext uri="{C572A759-6A51-4108-AA02-DFA0A04FC94B}">
-              <ma14:wrappingTextBoxFlag xmlns:ma14="http://schemas.microsoft.com/office/mac/drawingml/2011/main" xmlns="" val="1"/>
+              <ma14:wrappingTextBoxFlag xmlns="" xmlns:ma14="http://schemas.microsoft.com/office/mac/drawingml/2011/main" val="1"/>
             </a:ext>
           </a:extLst>
         </p:spPr>
@@ -4432,7 +5566,7 @@
 </p:sld>
 </file>
 
-<file path=ppt/slides/slide3.xml><?xml version="1.0" encoding="utf-8"?>
+<file path=ppt/slides/slide6.xml><?xml version="1.0" encoding="utf-8"?>
 <p:sld xmlns:a="http://schemas.openxmlformats.org/drawingml/2006/main" xmlns:r="http://schemas.openxmlformats.org/officeDocument/2006/relationships" xmlns:p="http://schemas.openxmlformats.org/presentationml/2006/main">
   <p:cSld>
     <p:spTree>
@@ -4548,7 +5682,7 @@
 </p:sld>
 </file>
 
-<file path=ppt/slides/slide4.xml><?xml version="1.0" encoding="utf-8"?>
+<file path=ppt/slides/slide7.xml><?xml version="1.0" encoding="utf-8"?>
 <p:sld xmlns:a="http://schemas.openxmlformats.org/drawingml/2006/main" xmlns:r="http://schemas.openxmlformats.org/officeDocument/2006/relationships" xmlns:p="http://schemas.openxmlformats.org/presentationml/2006/main">
   <p:cSld>
     <p:spTree>
@@ -4603,7 +5737,7 @@
 </p:sld>
 </file>
 
-<file path=ppt/slides/slide5.xml><?xml version="1.0" encoding="utf-8"?>
+<file path=ppt/slides/slide8.xml><?xml version="1.0" encoding="utf-8"?>
 <p:sld xmlns:a="http://schemas.openxmlformats.org/drawingml/2006/main" xmlns:r="http://schemas.openxmlformats.org/officeDocument/2006/relationships" xmlns:p="http://schemas.openxmlformats.org/presentationml/2006/main">
   <p:cSld>
     <p:spTree>
@@ -4622,7 +5756,13 @@
       </p:grpSpPr>
       <p:sp>
         <p:nvSpPr>
-          <p:cNvPr id="132" name="Shape 132"/>
+          <p:cNvPr id="2" name="Título 1">
+            <a:extLst>
+              <a:ext uri="{FF2B5EF4-FFF2-40B4-BE49-F238E27FC236}">
+                <a16:creationId xmlns:a16="http://schemas.microsoft.com/office/drawing/2014/main" id="{2D31C20C-9612-4076-848B-C674E785FBA2}"/>
+              </a:ext>
+            </a:extLst>
+          </p:cNvPr>
           <p:cNvSpPr>
             <a:spLocks noGrp="1"/>
           </p:cNvSpPr>
@@ -4630,884 +5770,59 @@
             <p:ph type="title"/>
           </p:nvPr>
         </p:nvSpPr>
-        <p:spPr>
-          <a:xfrm>
-            <a:off x="1721039" y="635000"/>
-            <a:ext cx="11201400" cy="1714500"/>
-          </a:xfrm>
-          <a:prstGeom prst="rect">
-            <a:avLst/>
-          </a:prstGeom>
-        </p:spPr>
+        <p:spPr/>
         <p:txBody>
-          <a:bodyPr>
-            <a:normAutofit/>
-          </a:bodyPr>
+          <a:bodyPr/>
           <a:lstStyle/>
           <a:p>
             <a:r>
-              <a:rPr sz="5400" dirty="0"/>
-              <a:t>CLASIFICADOR LIMO-ARCILLAS</a:t>
-            </a:r>
-          </a:p>
-        </p:txBody>
-      </p:sp>
-      <p:sp>
-        <p:nvSpPr>
-          <p:cNvPr id="133" name="Shape 133"/>
-          <p:cNvSpPr>
-            <a:spLocks noGrp="1"/>
-          </p:cNvSpPr>
-          <p:nvPr>
-            <p:ph type="body" sz="half" idx="1"/>
-          </p:nvPr>
-        </p:nvSpPr>
-        <p:spPr>
-          <a:xfrm>
-            <a:off x="845716" y="1590272"/>
-            <a:ext cx="7636024" cy="7012552"/>
-          </a:xfrm>
-          <a:prstGeom prst="rect">
-            <a:avLst/>
-          </a:prstGeom>
-        </p:spPr>
-        <p:txBody>
-          <a:bodyPr>
-            <a:normAutofit/>
-          </a:bodyPr>
-          <a:lstStyle/>
-          <a:p>
-            <a:pPr marL="385826" indent="-385826" defTabSz="572516">
-              <a:spcBef>
-                <a:spcPts val="2700"/>
-              </a:spcBef>
-              <a:defRPr sz="3136">
-                <a:effectLst>
-                  <a:outerShdw blurRad="24892" dist="24892" dir="5520000" rotWithShape="0">
-                    <a:srgbClr val="FFFFFF">
-                      <a:alpha val="71999"/>
-                    </a:srgbClr>
-                  </a:outerShdw>
-                </a:effectLst>
-              </a:defRPr>
-            </a:pPr>
-            <a:r>
-              <a:rPr dirty="0"/>
-              <a:t>Los </a:t>
-            </a:r>
-            <a:r>
-              <a:rPr dirty="0" err="1"/>
-              <a:t>suelos</a:t>
-            </a:r>
-            <a:r>
-              <a:rPr dirty="0"/>
-              <a:t> </a:t>
-            </a:r>
-            <a:r>
-              <a:rPr dirty="0" err="1"/>
-              <a:t>arcillosos</a:t>
-            </a:r>
-            <a:r>
-              <a:rPr dirty="0"/>
-              <a:t> se </a:t>
-            </a:r>
-            <a:r>
-              <a:rPr dirty="0" err="1"/>
-              <a:t>denominan</a:t>
-            </a:r>
-            <a:r>
-              <a:rPr dirty="0"/>
-              <a:t> </a:t>
-            </a:r>
-            <a:r>
-              <a:rPr dirty="0" err="1"/>
-              <a:t>suelos</a:t>
-            </a:r>
-            <a:r>
-              <a:rPr dirty="0"/>
-              <a:t> </a:t>
-            </a:r>
-            <a:r>
-              <a:rPr dirty="0" err="1"/>
-              <a:t>pesados</a:t>
-            </a:r>
-            <a:r>
-              <a:rPr dirty="0"/>
-              <a:t> o </a:t>
-            </a:r>
-            <a:r>
-              <a:rPr dirty="0" err="1"/>
-              <a:t>fuertes</a:t>
-            </a:r>
-            <a:r>
-              <a:rPr dirty="0"/>
-              <a:t>. </a:t>
-            </a:r>
-            <a:r>
-              <a:rPr dirty="0" err="1"/>
-              <a:t>Presentan</a:t>
-            </a:r>
-            <a:r>
-              <a:rPr dirty="0"/>
-              <a:t> </a:t>
-            </a:r>
-            <a:r>
-              <a:rPr dirty="0" err="1"/>
-              <a:t>baja</a:t>
-            </a:r>
-            <a:r>
-              <a:rPr dirty="0"/>
-              <a:t> </a:t>
-            </a:r>
-            <a:r>
-              <a:rPr dirty="0" err="1"/>
-              <a:t>permeabilidad</a:t>
-            </a:r>
-            <a:r>
-              <a:rPr dirty="0"/>
-              <a:t> al </a:t>
-            </a:r>
-            <a:r>
-              <a:rPr dirty="0" err="1"/>
-              <a:t>agua</a:t>
-            </a:r>
-            <a:r>
-              <a:rPr dirty="0"/>
-              <a:t> y </a:t>
-            </a:r>
-            <a:r>
-              <a:rPr dirty="0" err="1"/>
-              <a:t>elevada</a:t>
-            </a:r>
-            <a:r>
-              <a:rPr dirty="0"/>
-              <a:t> </a:t>
-            </a:r>
-            <a:r>
-              <a:rPr dirty="0" err="1"/>
-              <a:t>retención</a:t>
-            </a:r>
-            <a:r>
-              <a:rPr dirty="0"/>
-              <a:t> de </a:t>
-            </a:r>
-            <a:r>
-              <a:rPr dirty="0" err="1"/>
-              <a:t>agua</a:t>
-            </a:r>
-            <a:r>
-              <a:rPr dirty="0"/>
-              <a:t> y de </a:t>
-            </a:r>
-            <a:r>
-              <a:rPr dirty="0" err="1"/>
-              <a:t>nutrientes</a:t>
-            </a:r>
-            <a:r>
-              <a:rPr dirty="0"/>
-              <a:t>.</a:t>
-            </a:r>
-            <a:endParaRPr lang="es-MX" dirty="0"/>
-          </a:p>
-          <a:p>
-            <a:pPr marL="385826" indent="-385826" defTabSz="572516">
-              <a:spcBef>
-                <a:spcPts val="2700"/>
-              </a:spcBef>
-              <a:defRPr sz="3136">
-                <a:effectLst>
-                  <a:outerShdw blurRad="24892" dist="24892" dir="5520000" rotWithShape="0">
-                    <a:srgbClr val="FFFFFF">
-                      <a:alpha val="71999"/>
-                    </a:srgbClr>
-                  </a:outerShdw>
-                </a:effectLst>
-              </a:defRPr>
-            </a:pPr>
-            <a:endParaRPr lang="es-MX" dirty="0"/>
-          </a:p>
-          <a:p>
-            <a:pPr marL="385826" indent="-385826" defTabSz="572516">
-              <a:spcBef>
-                <a:spcPts val="2700"/>
-              </a:spcBef>
-              <a:defRPr sz="3136">
-                <a:effectLst>
-                  <a:outerShdw blurRad="24892" dist="24892" dir="5520000" rotWithShape="0">
-                    <a:srgbClr val="FFFFFF">
-                      <a:alpha val="71999"/>
-                    </a:srgbClr>
-                  </a:outerShdw>
-                </a:effectLst>
-              </a:defRPr>
-            </a:pPr>
-            <a:endParaRPr dirty="0"/>
-          </a:p>
-          <a:p>
-            <a:pPr marL="385826" indent="-385826" defTabSz="572516">
-              <a:spcBef>
-                <a:spcPts val="2700"/>
-              </a:spcBef>
-              <a:defRPr sz="3136">
-                <a:effectLst>
-                  <a:outerShdw blurRad="24892" dist="24892" dir="5520000" rotWithShape="0">
-                    <a:srgbClr val="FFFFFF">
-                      <a:alpha val="71999"/>
-                    </a:srgbClr>
-                  </a:outerShdw>
-                </a:effectLst>
-              </a:defRPr>
-            </a:pPr>
-            <a:r>
-              <a:rPr dirty="0"/>
-              <a:t>La </a:t>
-            </a:r>
-            <a:r>
-              <a:rPr dirty="0" err="1"/>
-              <a:t>característica</a:t>
-            </a:r>
-            <a:r>
-              <a:rPr dirty="0"/>
-              <a:t> </a:t>
-            </a:r>
-            <a:r>
-              <a:rPr dirty="0" err="1"/>
-              <a:t>física</a:t>
-            </a:r>
-            <a:r>
-              <a:rPr dirty="0"/>
-              <a:t> </a:t>
-            </a:r>
-            <a:r>
-              <a:rPr dirty="0" err="1"/>
-              <a:t>más</a:t>
-            </a:r>
-            <a:r>
-              <a:rPr dirty="0"/>
-              <a:t> </a:t>
-            </a:r>
-            <a:r>
-              <a:rPr dirty="0" err="1"/>
-              <a:t>significativa</a:t>
-            </a:r>
-            <a:r>
-              <a:rPr dirty="0"/>
-              <a:t> de las </a:t>
-            </a:r>
-            <a:r>
-              <a:rPr dirty="0" err="1"/>
-              <a:t>arcillas</a:t>
-            </a:r>
-            <a:r>
-              <a:rPr dirty="0"/>
-              <a:t> </a:t>
-            </a:r>
-            <a:r>
-              <a:rPr dirty="0" err="1"/>
-              <a:t>es</a:t>
-            </a:r>
-            <a:r>
-              <a:rPr dirty="0"/>
-              <a:t> la </a:t>
-            </a:r>
-            <a:r>
-              <a:rPr dirty="0" err="1"/>
-              <a:t>plasticidad</a:t>
-            </a:r>
-            <a:r>
-              <a:rPr dirty="0"/>
-              <a:t>, que </a:t>
-            </a:r>
-            <a:r>
-              <a:rPr dirty="0" err="1"/>
-              <a:t>es</a:t>
-            </a:r>
-            <a:r>
-              <a:rPr dirty="0"/>
-              <a:t> la </a:t>
-            </a:r>
-            <a:r>
-              <a:rPr dirty="0" err="1"/>
-              <a:t>capacidad</a:t>
-            </a:r>
-            <a:r>
-              <a:rPr dirty="0"/>
-              <a:t> de </a:t>
-            </a:r>
-            <a:r>
-              <a:rPr dirty="0" err="1"/>
-              <a:t>deformarse</a:t>
-            </a:r>
-            <a:r>
-              <a:rPr dirty="0"/>
-              <a:t> sin </a:t>
-            </a:r>
-            <a:r>
-              <a:rPr dirty="0" err="1"/>
-              <a:t>agrietarse</a:t>
-            </a:r>
-            <a:r>
-              <a:rPr dirty="0"/>
-              <a:t> ante un </a:t>
-            </a:r>
-            <a:r>
-              <a:rPr dirty="0" err="1"/>
-              <a:t>esfuerzo</a:t>
-            </a:r>
-            <a:r>
-              <a:rPr dirty="0"/>
-              <a:t> </a:t>
-            </a:r>
-            <a:r>
-              <a:rPr dirty="0" err="1"/>
-              <a:t>mecánico</a:t>
-            </a:r>
-            <a:r>
-              <a:rPr dirty="0"/>
-              <a:t> </a:t>
-            </a:r>
-            <a:r>
-              <a:rPr dirty="0" err="1"/>
-              <a:t>conservando</a:t>
-            </a:r>
-            <a:r>
-              <a:rPr dirty="0"/>
-              <a:t> la </a:t>
-            </a:r>
-            <a:r>
-              <a:rPr dirty="0" err="1"/>
-              <a:t>deformación</a:t>
-            </a:r>
-            <a:r>
-              <a:rPr dirty="0"/>
-              <a:t> al </a:t>
-            </a:r>
-            <a:r>
-              <a:rPr dirty="0" err="1"/>
-              <a:t>retirarse</a:t>
-            </a:r>
-            <a:r>
-              <a:rPr dirty="0"/>
-              <a:t> la </a:t>
-            </a:r>
-            <a:r>
-              <a:rPr dirty="0" err="1"/>
-              <a:t>carga</a:t>
-            </a:r>
-            <a:r>
-              <a:rPr dirty="0"/>
-              <a:t> (No se produce </a:t>
-            </a:r>
-            <a:r>
-              <a:rPr dirty="0" err="1"/>
-              <a:t>rebote</a:t>
-            </a:r>
-            <a:r>
-              <a:rPr dirty="0"/>
-              <a:t> </a:t>
-            </a:r>
-            <a:r>
-              <a:rPr dirty="0" err="1"/>
-              <a:t>elástico</a:t>
-            </a:r>
-            <a:r>
-              <a:rPr dirty="0"/>
-              <a:t>). </a:t>
+              <a:rPr lang="es-ES" dirty="0"/>
+              <a:t>Importancia de este tema</a:t>
             </a:r>
           </a:p>
         </p:txBody>
       </p:sp>
       <p:pic>
         <p:nvPicPr>
-          <p:cNvPr id="134" name="Captura de pantalla 2017-11-30 a la(s) 8.27.53 p.m..png"/>
+          <p:cNvPr id="3" name="Imagen 2">
+            <a:extLst>
+              <a:ext uri="{FF2B5EF4-FFF2-40B4-BE49-F238E27FC236}">
+                <a16:creationId xmlns:a16="http://schemas.microsoft.com/office/drawing/2014/main" id="{81C50BDF-2296-4262-A0A5-FD2F1DF474B5}"/>
+              </a:ext>
+            </a:extLst>
+          </p:cNvPr>
           <p:cNvPicPr>
             <a:picLocks noChangeAspect="1"/>
           </p:cNvPicPr>
           <p:nvPr/>
         </p:nvPicPr>
         <p:blipFill>
-          <a:blip r:embed="rId2">
-            <a:extLst/>
-          </a:blip>
+          <a:blip r:embed="rId2"/>
           <a:stretch>
             <a:fillRect/>
           </a:stretch>
         </p:blipFill>
         <p:spPr>
           <a:xfrm>
-            <a:off x="6659069" y="3968124"/>
-            <a:ext cx="5742930" cy="1213296"/>
-          </a:xfrm>
-          <a:prstGeom prst="rect">
-            <a:avLst/>
-          </a:prstGeom>
-          <a:ln w="12700">
-            <a:miter lim="400000"/>
-          </a:ln>
-        </p:spPr>
-      </p:pic>
-    </p:spTree>
-  </p:cSld>
-  <p:clrMapOvr>
-    <a:masterClrMapping/>
-  </p:clrMapOvr>
-  <p:transition spd="slow"/>
-</p:sld>
-</file>
-
-<file path=ppt/slides/slide6.xml><?xml version="1.0" encoding="utf-8"?>
-<p:sld xmlns:a="http://schemas.openxmlformats.org/drawingml/2006/main" xmlns:r="http://schemas.openxmlformats.org/officeDocument/2006/relationships" xmlns:p="http://schemas.openxmlformats.org/presentationml/2006/main">
-  <p:cSld>
-    <p:spTree>
-      <p:nvGrpSpPr>
-        <p:cNvPr id="1" name=""/>
-        <p:cNvGrpSpPr/>
-        <p:nvPr/>
-      </p:nvGrpSpPr>
-      <p:grpSpPr>
-        <a:xfrm>
-          <a:off x="0" y="0"/>
-          <a:ext cx="0" cy="0"/>
-          <a:chOff x="0" y="0"/>
-          <a:chExt cx="0" cy="0"/>
-        </a:xfrm>
-      </p:grpSpPr>
-      <p:sp>
-        <p:nvSpPr>
-          <p:cNvPr id="137" name="Shape 137"/>
-          <p:cNvSpPr>
-            <a:spLocks noGrp="1"/>
-          </p:cNvSpPr>
-          <p:nvPr>
-            <p:ph type="body" sz="half" idx="1"/>
-          </p:nvPr>
-        </p:nvSpPr>
-        <p:spPr>
-          <a:xfrm>
-            <a:off x="654098" y="1119264"/>
-            <a:ext cx="4514593" cy="7391400"/>
+            <a:off x="901699" y="1492249"/>
+            <a:ext cx="10886109" cy="7147111"/>
           </a:xfrm>
           <a:prstGeom prst="rect">
             <a:avLst/>
           </a:prstGeom>
         </p:spPr>
-        <p:txBody>
-          <a:bodyPr>
-            <a:normAutofit/>
-          </a:bodyPr>
-          <a:lstStyle/>
-          <a:p>
-            <a:r>
-              <a:rPr sz="3600" dirty="0"/>
-              <a:t>La </a:t>
-            </a:r>
-            <a:r>
-              <a:rPr sz="3600" dirty="0" err="1"/>
-              <a:t>textura</a:t>
-            </a:r>
-            <a:r>
-              <a:rPr sz="3600" dirty="0"/>
-              <a:t> franca se </a:t>
-            </a:r>
-            <a:r>
-              <a:rPr sz="3600" dirty="0" err="1"/>
-              <a:t>considera</a:t>
-            </a:r>
-            <a:r>
-              <a:rPr sz="3600" dirty="0"/>
-              <a:t> la </a:t>
-            </a:r>
-            <a:r>
-              <a:rPr sz="3600" dirty="0" err="1"/>
-              <a:t>textura</a:t>
-            </a:r>
-            <a:r>
-              <a:rPr sz="3600" dirty="0"/>
-              <a:t> ideal, </a:t>
-            </a:r>
-            <a:r>
-              <a:rPr sz="3600" dirty="0" err="1"/>
-              <a:t>porque</a:t>
-            </a:r>
-            <a:r>
-              <a:rPr sz="3600" dirty="0"/>
-              <a:t> </a:t>
-            </a:r>
-            <a:r>
-              <a:rPr sz="3600" dirty="0" err="1"/>
-              <a:t>tiene</a:t>
-            </a:r>
-            <a:r>
-              <a:rPr sz="3600" dirty="0"/>
-              <a:t> </a:t>
-            </a:r>
-            <a:r>
-              <a:rPr sz="3600" dirty="0" err="1"/>
-              <a:t>una</a:t>
-            </a:r>
-            <a:r>
-              <a:rPr sz="3600" dirty="0"/>
-              <a:t> </a:t>
-            </a:r>
-            <a:r>
-              <a:rPr sz="3600" dirty="0" err="1"/>
-              <a:t>mezcla</a:t>
-            </a:r>
-            <a:r>
-              <a:rPr sz="3600" dirty="0"/>
-              <a:t> </a:t>
-            </a:r>
-            <a:r>
-              <a:rPr sz="3600" dirty="0" err="1"/>
-              <a:t>equilibrada</a:t>
-            </a:r>
-            <a:r>
-              <a:rPr sz="3600" dirty="0"/>
-              <a:t> de arena, limo y </a:t>
-            </a:r>
-            <a:r>
-              <a:rPr sz="3600" dirty="0" err="1"/>
-              <a:t>arcilla</a:t>
-            </a:r>
-            <a:r>
-              <a:rPr sz="3600" dirty="0"/>
-              <a:t>. </a:t>
-            </a:r>
-            <a:endParaRPr lang="es-MX" sz="3600" dirty="0"/>
-          </a:p>
-          <a:p>
-            <a:endParaRPr sz="3600" dirty="0"/>
-          </a:p>
-          <a:p>
-            <a:r>
-              <a:rPr sz="3600" dirty="0" err="1"/>
-              <a:t>Esto</a:t>
-            </a:r>
-            <a:r>
-              <a:rPr sz="3600" dirty="0"/>
-              <a:t> </a:t>
-            </a:r>
-            <a:r>
-              <a:rPr sz="3600" dirty="0" err="1"/>
-              <a:t>supone</a:t>
-            </a:r>
-            <a:r>
-              <a:rPr sz="3600" dirty="0"/>
-              <a:t> un </a:t>
-            </a:r>
-            <a:r>
-              <a:rPr sz="3600" dirty="0" err="1"/>
-              <a:t>equilibrio</a:t>
-            </a:r>
-            <a:r>
-              <a:rPr sz="3600" dirty="0"/>
-              <a:t> entre </a:t>
-            </a:r>
-            <a:r>
-              <a:rPr sz="3600" dirty="0" err="1"/>
-              <a:t>permeabilidad</a:t>
-            </a:r>
-            <a:r>
-              <a:rPr sz="3600" dirty="0"/>
-              <a:t> al </a:t>
-            </a:r>
-            <a:r>
-              <a:rPr sz="3600" dirty="0" err="1"/>
-              <a:t>agua</a:t>
-            </a:r>
-            <a:r>
-              <a:rPr sz="3600" dirty="0"/>
-              <a:t> y </a:t>
-            </a:r>
-            <a:r>
-              <a:rPr sz="3600" dirty="0" err="1"/>
-              <a:t>retención</a:t>
-            </a:r>
-            <a:r>
-              <a:rPr sz="3600" dirty="0"/>
-              <a:t> de </a:t>
-            </a:r>
-            <a:r>
-              <a:rPr sz="3600" dirty="0" err="1"/>
-              <a:t>agua</a:t>
-            </a:r>
-            <a:r>
-              <a:rPr sz="3600" dirty="0"/>
-              <a:t> y de </a:t>
-            </a:r>
-            <a:r>
-              <a:rPr sz="3600" dirty="0" err="1"/>
-              <a:t>nutrientes</a:t>
-            </a:r>
-            <a:r>
-              <a:rPr sz="3600" dirty="0"/>
-              <a:t>.</a:t>
-            </a:r>
-          </a:p>
-        </p:txBody>
-      </p:sp>
-      <p:pic>
-        <p:nvPicPr>
-          <p:cNvPr id="138" name="Captura de pantalla 2017-11-30 a la(s) 8.31.09 p.m..png"/>
-          <p:cNvPicPr>
-            <a:picLocks noChangeAspect="1"/>
-          </p:cNvPicPr>
-          <p:nvPr/>
-        </p:nvPicPr>
-        <p:blipFill>
-          <a:blip r:embed="rId2">
-            <a:extLst/>
-          </a:blip>
-          <a:stretch>
-            <a:fillRect/>
-          </a:stretch>
-        </p:blipFill>
-        <p:spPr>
-          <a:xfrm>
-            <a:off x="5168691" y="1191604"/>
-            <a:ext cx="7182011" cy="7370392"/>
-          </a:xfrm>
-          <a:prstGeom prst="rect">
-            <a:avLst/>
-          </a:prstGeom>
-          <a:ln w="12700">
-            <a:miter lim="400000"/>
-          </a:ln>
-        </p:spPr>
       </p:pic>
     </p:spTree>
+    <p:extLst>
+      <p:ext uri="{BB962C8B-B14F-4D97-AF65-F5344CB8AC3E}">
+        <p14:creationId xmlns:p14="http://schemas.microsoft.com/office/powerpoint/2010/main" val="1497392330"/>
+      </p:ext>
+    </p:extLst>
   </p:cSld>
   <p:clrMapOvr>
     <a:masterClrMapping/>
   </p:clrMapOvr>
-  <p:transition spd="slow"/>
-</p:sld>
-</file>
-
-<file path=ppt/slides/slide7.xml><?xml version="1.0" encoding="utf-8"?>
-<p:sld xmlns:a="http://schemas.openxmlformats.org/drawingml/2006/main" xmlns:r="http://schemas.openxmlformats.org/officeDocument/2006/relationships" xmlns:p="http://schemas.openxmlformats.org/presentationml/2006/main">
-  <p:cSld>
-    <p:spTree>
-      <p:nvGrpSpPr>
-        <p:cNvPr id="1" name=""/>
-        <p:cNvGrpSpPr/>
-        <p:nvPr/>
-      </p:nvGrpSpPr>
-      <p:grpSpPr>
-        <a:xfrm>
-          <a:off x="0" y="0"/>
-          <a:ext cx="0" cy="0"/>
-          <a:chOff x="0" y="0"/>
-          <a:chExt cx="0" cy="0"/>
-        </a:xfrm>
-      </p:grpSpPr>
-      <p:pic>
-        <p:nvPicPr>
-          <p:cNvPr id="141" name="Captura de pantalla 2017-11-30 a la(s) 8.31.55 p.m..png"/>
-          <p:cNvPicPr>
-            <a:picLocks noChangeAspect="1"/>
-          </p:cNvPicPr>
-          <p:nvPr/>
-        </p:nvPicPr>
-        <p:blipFill>
-          <a:blip r:embed="rId2">
-            <a:extLst/>
-          </a:blip>
-          <a:stretch>
-            <a:fillRect/>
-          </a:stretch>
-        </p:blipFill>
-        <p:spPr>
-          <a:xfrm>
-            <a:off x="4277966" y="933060"/>
-            <a:ext cx="8145667" cy="7589765"/>
-          </a:xfrm>
-          <a:prstGeom prst="rect">
-            <a:avLst/>
-          </a:prstGeom>
-          <a:ln w="12700">
-            <a:miter lim="400000"/>
-          </a:ln>
-        </p:spPr>
-      </p:pic>
-      <p:sp>
-        <p:nvSpPr>
-          <p:cNvPr id="5" name="Shape 140">
-            <a:extLst>
-              <a:ext uri="{FF2B5EF4-FFF2-40B4-BE49-F238E27FC236}">
-                <a16:creationId xmlns:a16="http://schemas.microsoft.com/office/drawing/2014/main" id="{25BD3D31-0C0F-496E-9693-9246C4838147}"/>
-              </a:ext>
-            </a:extLst>
-          </p:cNvPr>
-          <p:cNvSpPr>
-            <a:spLocks noGrp="1"/>
-          </p:cNvSpPr>
-          <p:nvPr>
-            <p:ph type="body" sz="quarter" idx="1"/>
-          </p:nvPr>
-        </p:nvSpPr>
-        <p:spPr>
-          <a:xfrm>
-            <a:off x="581167" y="1169435"/>
-            <a:ext cx="3243986" cy="6444343"/>
-          </a:xfrm>
-          <a:prstGeom prst="rect">
-            <a:avLst/>
-          </a:prstGeom>
-        </p:spPr>
-        <p:txBody>
-          <a:bodyPr>
-            <a:normAutofit/>
-          </a:bodyPr>
-          <a:lstStyle>
-            <a:lvl1pPr marL="362204" indent="-362204" defTabSz="537463">
-              <a:spcBef>
-                <a:spcPts val="2500"/>
-              </a:spcBef>
-              <a:defRPr sz="2944">
-                <a:effectLst>
-                  <a:outerShdw blurRad="23368" dist="23368" dir="5520000" rotWithShape="0">
-                    <a:srgbClr val="FFFFFF">
-                      <a:alpha val="71999"/>
-                    </a:srgbClr>
-                  </a:outerShdw>
-                </a:effectLst>
-              </a:defRPr>
-            </a:lvl1pPr>
-          </a:lstStyle>
-          <a:p>
-            <a:r>
-              <a:rPr sz="3600" dirty="0"/>
-              <a:t>Las </a:t>
-            </a:r>
-            <a:r>
-              <a:rPr sz="3600" dirty="0" err="1"/>
-              <a:t>arcillas</a:t>
-            </a:r>
-            <a:r>
-              <a:rPr sz="3600" dirty="0"/>
-              <a:t> de </a:t>
-            </a:r>
-            <a:r>
-              <a:rPr sz="3600" dirty="0" err="1"/>
-              <a:t>acuerdo</a:t>
-            </a:r>
-            <a:r>
-              <a:rPr sz="3600" dirty="0"/>
-              <a:t> al </a:t>
-            </a:r>
-            <a:r>
-              <a:rPr sz="3600" dirty="0" err="1"/>
-              <a:t>grado</a:t>
-            </a:r>
-            <a:r>
-              <a:rPr sz="3600" dirty="0"/>
-              <a:t> de </a:t>
-            </a:r>
-            <a:r>
-              <a:rPr sz="3600" dirty="0" err="1"/>
-              <a:t>plasticidad</a:t>
-            </a:r>
-            <a:r>
-              <a:rPr sz="3600" dirty="0"/>
-              <a:t> se </a:t>
-            </a:r>
-            <a:r>
-              <a:rPr sz="3600" dirty="0" err="1"/>
-              <a:t>clasifican</a:t>
-            </a:r>
-            <a:r>
-              <a:rPr sz="3600" dirty="0"/>
-              <a:t> </a:t>
-            </a:r>
-            <a:r>
-              <a:rPr sz="3600" dirty="0" err="1"/>
-              <a:t>en</a:t>
-            </a:r>
-            <a:r>
-              <a:rPr sz="3600" dirty="0"/>
-              <a:t> </a:t>
-            </a:r>
-            <a:r>
-              <a:rPr sz="3600" dirty="0" err="1"/>
-              <a:t>magras</a:t>
-            </a:r>
-            <a:r>
-              <a:rPr sz="3600" dirty="0"/>
-              <a:t> y </a:t>
-            </a:r>
-            <a:r>
-              <a:rPr sz="3600" dirty="0" err="1"/>
-              <a:t>grasas</a:t>
-            </a:r>
-            <a:r>
-              <a:rPr sz="3600" dirty="0"/>
-              <a:t>. </a:t>
-            </a:r>
-          </a:p>
-        </p:txBody>
-      </p:sp>
-    </p:spTree>
-  </p:cSld>
-  <p:clrMapOvr>
-    <a:masterClrMapping/>
-  </p:clrMapOvr>
-  <p:transition spd="slow"/>
-</p:sld>
-</file>
-
-<file path=ppt/slides/slide8.xml><?xml version="1.0" encoding="utf-8"?>
-<p:sld xmlns:a="http://schemas.openxmlformats.org/drawingml/2006/main" xmlns:r="http://schemas.openxmlformats.org/officeDocument/2006/relationships" xmlns:p="http://schemas.openxmlformats.org/presentationml/2006/main">
-  <p:cSld>
-    <p:spTree>
-      <p:nvGrpSpPr>
-        <p:cNvPr id="1" name=""/>
-        <p:cNvGrpSpPr/>
-        <p:nvPr/>
-      </p:nvGrpSpPr>
-      <p:grpSpPr>
-        <a:xfrm>
-          <a:off x="0" y="0"/>
-          <a:ext cx="0" cy="0"/>
-          <a:chOff x="0" y="0"/>
-          <a:chExt cx="0" cy="0"/>
-        </a:xfrm>
-      </p:grpSpPr>
-      <p:pic>
-        <p:nvPicPr>
-          <p:cNvPr id="145" name="Captura de pantalla 2017-11-30 a la(s) 8.32.55 p.m..png"/>
-          <p:cNvPicPr>
-            <a:picLocks noChangeAspect="1"/>
-          </p:cNvPicPr>
-          <p:nvPr/>
-        </p:nvPicPr>
-        <p:blipFill>
-          <a:blip r:embed="rId2">
-            <a:extLst/>
-          </a:blip>
-          <a:stretch>
-            <a:fillRect/>
-          </a:stretch>
-        </p:blipFill>
-        <p:spPr>
-          <a:xfrm>
-            <a:off x="1630412" y="444499"/>
-            <a:ext cx="9483065" cy="8867451"/>
-          </a:xfrm>
-          <a:prstGeom prst="rect">
-            <a:avLst/>
-          </a:prstGeom>
-          <a:ln w="12700">
-            <a:miter lim="400000"/>
-          </a:ln>
-        </p:spPr>
-      </p:pic>
-    </p:spTree>
-  </p:cSld>
-  <p:clrMapOvr>
-    <a:masterClrMapping/>
-  </p:clrMapOvr>
-  <p:transition spd="slow"/>
+  <p:transition spd="med"/>
 </p:sld>
 </file>
 
@@ -5528,70 +5843,79 @@
           <a:chExt cx="0" cy="0"/>
         </a:xfrm>
       </p:grpSpPr>
-      <p:sp>
-        <p:nvSpPr>
-          <p:cNvPr id="147" name="Shape 147"/>
-          <p:cNvSpPr>
-            <a:spLocks noGrp="1"/>
-          </p:cNvSpPr>
-          <p:nvPr>
-            <p:ph type="title"/>
-          </p:nvPr>
-        </p:nvSpPr>
-        <p:spPr>
-          <a:xfrm>
-            <a:off x="638369" y="1138853"/>
-            <a:ext cx="12366431" cy="1714500"/>
-          </a:xfrm>
-          <a:prstGeom prst="rect">
-            <a:avLst/>
-          </a:prstGeom>
-        </p:spPr>
-        <p:txBody>
-          <a:bodyPr/>
-          <a:lstStyle/>
-          <a:p>
-            <a:r>
-              <a:t>CLASIFICADOR ALTA-BAJA PLASTICIDAD</a:t>
-            </a:r>
-          </a:p>
-        </p:txBody>
-      </p:sp>
       <p:pic>
         <p:nvPicPr>
-          <p:cNvPr id="149" name="Sin-título-8.gif"/>
+          <p:cNvPr id="1026" name="Picture 2" descr="Imagen relacionada">
+            <a:extLst>
+              <a:ext uri="{FF2B5EF4-FFF2-40B4-BE49-F238E27FC236}">
+                <a16:creationId xmlns:a16="http://schemas.microsoft.com/office/drawing/2014/main" id="{96979910-614A-424D-89CA-0F4E52915198}"/>
+              </a:ext>
+            </a:extLst>
+          </p:cNvPr>
           <p:cNvPicPr>
-            <a:picLocks noChangeAspect="1"/>
+            <a:picLocks noChangeAspect="1" noChangeArrowheads="1"/>
           </p:cNvPicPr>
           <p:nvPr/>
         </p:nvPicPr>
         <p:blipFill>
           <a:blip r:embed="rId2">
-            <a:extLst/>
+            <a:extLst>
+              <a:ext uri="{28A0092B-C50C-407E-A947-70E740481C1C}">
+                <a14:useLocalDpi xmlns:a14="http://schemas.microsoft.com/office/drawing/2010/main" val="0"/>
+              </a:ext>
+            </a:extLst>
           </a:blip>
+          <a:srcRect/>
           <a:stretch>
             <a:fillRect/>
           </a:stretch>
         </p:blipFill>
-        <p:spPr>
+        <p:spPr bwMode="auto">
           <a:xfrm>
-            <a:off x="2323363" y="2157165"/>
-            <a:ext cx="8358073" cy="6457582"/>
+            <a:off x="1071701" y="872780"/>
+            <a:ext cx="10775742" cy="7087550"/>
           </a:xfrm>
-          <a:prstGeom prst="rect">
-            <a:avLst/>
+          <a:prstGeom prst="round2DiagRect">
+            <a:avLst>
+              <a:gd name="adj1" fmla="val 16667"/>
+              <a:gd name="adj2" fmla="val 0"/>
+            </a:avLst>
           </a:prstGeom>
-          <a:ln w="12700">
-            <a:miter lim="400000"/>
+          <a:ln w="88900" cap="sq">
+            <a:solidFill>
+              <a:srgbClr val="FFFFFF"/>
+            </a:solidFill>
+            <a:miter lim="800000"/>
           </a:ln>
+          <a:effectLst>
+            <a:outerShdw blurRad="254000" algn="tl" rotWithShape="0">
+              <a:srgbClr val="000000">
+                <a:alpha val="43000"/>
+              </a:srgbClr>
+            </a:outerShdw>
+          </a:effectLst>
+          <a:extLst>
+            <a:ext uri="{909E8E84-426E-40DD-AFC4-6F175D3DCCD1}">
+              <a14:hiddenFill xmlns:a14="http://schemas.microsoft.com/office/drawing/2010/main">
+                <a:solidFill>
+                  <a:srgbClr val="FFFFFF"/>
+                </a:solidFill>
+              </a14:hiddenFill>
+            </a:ext>
+          </a:extLst>
         </p:spPr>
       </p:pic>
     </p:spTree>
+    <p:extLst>
+      <p:ext uri="{BB962C8B-B14F-4D97-AF65-F5344CB8AC3E}">
+        <p14:creationId xmlns:p14="http://schemas.microsoft.com/office/powerpoint/2010/main" val="1626868084"/>
+      </p:ext>
+    </p:extLst>
   </p:cSld>
   <p:clrMapOvr>
     <a:masterClrMapping/>
   </p:clrMapOvr>
-  <p:transition spd="slow"/>
+  <p:transition spd="med"/>
 </p:sld>
 </file>
 
